--- a/chapter_2/pptx/1_intro.pptx
+++ b/chapter_2/pptx/1_intro.pptx
@@ -19,18 +19,18 @@
     <p:sldId id="369" r:id="rId10"/>
     <p:sldId id="345" r:id="rId11"/>
     <p:sldId id="357" r:id="rId12"/>
-    <p:sldId id="344" r:id="rId13"/>
-    <p:sldId id="326" r:id="rId14"/>
-    <p:sldId id="339" r:id="rId15"/>
-    <p:sldId id="346" r:id="rId16"/>
-    <p:sldId id="343" r:id="rId17"/>
-    <p:sldId id="338" r:id="rId18"/>
-    <p:sldId id="347" r:id="rId19"/>
-    <p:sldId id="348" r:id="rId20"/>
-    <p:sldId id="361" r:id="rId21"/>
-    <p:sldId id="349" r:id="rId22"/>
-    <p:sldId id="365" r:id="rId23"/>
-    <p:sldId id="366" r:id="rId24"/>
+    <p:sldId id="326" r:id="rId13"/>
+    <p:sldId id="339" r:id="rId14"/>
+    <p:sldId id="346" r:id="rId15"/>
+    <p:sldId id="343" r:id="rId16"/>
+    <p:sldId id="338" r:id="rId17"/>
+    <p:sldId id="347" r:id="rId18"/>
+    <p:sldId id="348" r:id="rId19"/>
+    <p:sldId id="361" r:id="rId20"/>
+    <p:sldId id="349" r:id="rId21"/>
+    <p:sldId id="365" r:id="rId22"/>
+    <p:sldId id="366" r:id="rId23"/>
+    <p:sldId id="370" r:id="rId24"/>
     <p:sldId id="368" r:id="rId25"/>
     <p:sldId id="367" r:id="rId26"/>
     <p:sldId id="363" r:id="rId27"/>
@@ -233,7 +233,7 @@
           <a:p>
             <a:fld id="{9325ABCC-732D-4DFB-BF35-D5B0D3F49F74}" type="datetimeFigureOut">
               <a:rPr kumimoji="1" lang="ja-JP" altLang="en-US" smtClean="0"/>
-              <a:t>2020/5/31</a:t>
+              <a:t>2020/6/2</a:t>
             </a:fld>
             <a:endParaRPr kumimoji="1" lang="ja-JP" altLang="en-US"/>
           </a:p>
@@ -765,7 +765,7 @@
           <a:p>
             <a:fld id="{0E82FBDB-533E-4526-9ECF-B2ACD996C9F2}" type="slidenum">
               <a:rPr kumimoji="1" lang="ja-JP" altLang="en-US" smtClean="0"/>
-              <a:t>11</a:t>
+              <a:t>10</a:t>
             </a:fld>
             <a:endParaRPr kumimoji="1" lang="ja-JP" altLang="en-US"/>
           </a:p>
@@ -11719,7 +11719,7 @@
       </p:grpSpPr>
       <p:sp>
         <p:nvSpPr>
-          <p:cNvPr id="9" name="タイトル 8"/>
+          <p:cNvPr id="5" name="タイトル 4"/>
           <p:cNvSpPr>
             <a:spLocks noGrp="1"/>
           </p:cNvSpPr>
@@ -11727,38 +11727,91 @@
             <p:ph type="title"/>
           </p:nvPr>
         </p:nvSpPr>
-        <p:spPr>
-          <a:xfrm>
-            <a:off x="927100" y="471404"/>
-            <a:ext cx="16687800" cy="1077996"/>
-          </a:xfrm>
-        </p:spPr>
-        <p:txBody>
-          <a:bodyPr/>
+        <p:spPr/>
+        <p:txBody>
+          <a:bodyPr>
+            <a:normAutofit/>
+          </a:bodyPr>
           <a:lstStyle/>
           <a:p>
             <a:r>
-              <a:rPr lang="ja-JP" altLang="en-US"/>
-              <a:t>講義概要</a:t>
-            </a:r>
-            <a:r>
-              <a:rPr lang="en-US" altLang="ja-JP" dirty="0"/>
-              <a:t> | </a:t>
-            </a:r>
-            <a:r>
-              <a:rPr lang="ja-JP" altLang="en-US"/>
-              <a:t>予測に使用するモデル</a:t>
-            </a:r>
-            <a:endParaRPr lang="en-US" altLang="ja-JP" dirty="0"/>
-          </a:p>
-        </p:txBody>
-      </p:sp>
-      <p:sp>
-        <p:nvSpPr>
-          <p:cNvPr id="31" name="Slide Number Placeholder 30">
+              <a:rPr kumimoji="1" lang="ja-JP" altLang="en-US" sz="6600" dirty="0"/>
+              <a:t>コンテンツ</a:t>
+            </a:r>
+          </a:p>
+        </p:txBody>
+      </p:sp>
+      <p:sp>
+        <p:nvSpPr>
+          <p:cNvPr id="6" name="テキスト プレースホルダー 5"/>
+          <p:cNvSpPr>
+            <a:spLocks noGrp="1"/>
+          </p:cNvSpPr>
+          <p:nvPr>
+            <p:ph type="body" sz="quarter" idx="12"/>
+          </p:nvPr>
+        </p:nvSpPr>
+        <p:spPr>
+          <a:xfrm>
+            <a:off x="7709647" y="1783556"/>
+            <a:ext cx="10578353" cy="6718300"/>
+          </a:xfrm>
+        </p:spPr>
+        <p:txBody>
+          <a:bodyPr>
+            <a:normAutofit/>
+          </a:bodyPr>
+          <a:lstStyle/>
+          <a:p>
+            <a:r>
+              <a:rPr lang="en-US" altLang="ja-JP" sz="4400" dirty="0"/>
+              <a:t>Kaggle (</a:t>
+            </a:r>
+            <a:r>
+              <a:rPr lang="en-US" altLang="ja-JP" sz="4400" dirty="0" err="1"/>
+              <a:t>Signate</a:t>
+            </a:r>
+            <a:r>
+              <a:rPr lang="en-US" altLang="ja-JP" sz="4400" dirty="0"/>
+              <a:t>)</a:t>
+            </a:r>
+            <a:r>
+              <a:rPr lang="ja-JP" altLang="en-US" sz="4400"/>
+              <a:t>について</a:t>
+            </a:r>
+            <a:endParaRPr lang="en-US" altLang="ja-JP" sz="4400" dirty="0"/>
+          </a:p>
+          <a:p>
+            <a:r>
+              <a:rPr lang="en-US" altLang="ja-JP" sz="4400" dirty="0">
+                <a:solidFill>
+                  <a:schemeClr val="accent1"/>
+                </a:solidFill>
+              </a:rPr>
+              <a:t>Decision Tree </a:t>
+            </a:r>
+            <a:r>
+              <a:rPr lang="ja-JP" altLang="en-US" sz="4400">
+                <a:solidFill>
+                  <a:schemeClr val="accent1"/>
+                </a:solidFill>
+              </a:rPr>
+              <a:t>（決定木）</a:t>
+            </a:r>
+            <a:endParaRPr lang="en-US" altLang="ja-JP" sz="4400" dirty="0">
+              <a:solidFill>
+                <a:schemeClr val="accent1"/>
+              </a:solidFill>
+            </a:endParaRPr>
+          </a:p>
+        </p:txBody>
+      </p:sp>
+      <p:sp>
+        <p:nvSpPr>
+          <p:cNvPr id="4" name="Slide Number Placeholder 3">
             <a:extLst>
               <a:ext uri="{FF2B5EF4-FFF2-40B4-BE49-F238E27FC236}">
-                <a16:creationId xmlns:a16="http://schemas.microsoft.com/office/drawing/2014/main" id="{4B1988FE-E66C-024F-90E3-2BEDDB78EC11}"/>
+                <a16:creationId xmlns:a16="http://schemas.microsoft.com/office/drawing/2014/main" id="{245B8BF2-989B-F944-AA36-2C3B20207F75}"/>
               </a:ext>
             </a:extLst>
           </p:cNvPr>
@@ -11785,10 +11838,10 @@
       </p:sp>
       <p:sp>
         <p:nvSpPr>
-          <p:cNvPr id="32" name="Footer Placeholder 31">
+          <p:cNvPr id="8" name="Footer Placeholder 7">
             <a:extLst>
               <a:ext uri="{FF2B5EF4-FFF2-40B4-BE49-F238E27FC236}">
-                <a16:creationId xmlns:a16="http://schemas.microsoft.com/office/drawing/2014/main" id="{D89C7E2B-21AF-4F42-AB76-00E7E4D31AC3}"/>
+                <a16:creationId xmlns:a16="http://schemas.microsoft.com/office/drawing/2014/main" id="{8F4850EF-3532-CD49-B997-A17BAB434D51}"/>
               </a:ext>
             </a:extLst>
           </p:cNvPr>
@@ -11799,12 +11852,7 @@
             <p:ph type="ftr" sz="quarter" idx="11"/>
           </p:nvPr>
         </p:nvSpPr>
-        <p:spPr>
-          <a:xfrm>
-            <a:off x="10680700" y="9621838"/>
-            <a:ext cx="6172200" cy="547687"/>
-          </a:xfrm>
-        </p:spPr>
+        <p:spPr/>
         <p:txBody>
           <a:bodyPr/>
           <a:lstStyle/>
@@ -11814,61 +11862,13 @@
               <a:t>@Takato Matsumoto, 2020</a:t>
             </a:r>
             <a:endParaRPr kumimoji="1" lang="ja-JP" altLang="en-US" dirty="0"/>
-          </a:p>
-        </p:txBody>
-      </p:sp>
-      <p:sp>
-        <p:nvSpPr>
-          <p:cNvPr id="45" name="テキスト プレースホルダー 9">
-            <a:extLst>
-              <a:ext uri="{FF2B5EF4-FFF2-40B4-BE49-F238E27FC236}">
-                <a16:creationId xmlns:a16="http://schemas.microsoft.com/office/drawing/2014/main" id="{99EF46B6-0CC3-8B46-9856-B0F58F006A0B}"/>
-              </a:ext>
-            </a:extLst>
-          </p:cNvPr>
-          <p:cNvSpPr>
-            <a:spLocks noGrp="1"/>
-          </p:cNvSpPr>
-          <p:nvPr>
-            <p:ph type="body" sz="quarter" idx="12"/>
-          </p:nvPr>
-        </p:nvSpPr>
-        <p:spPr>
-          <a:xfrm>
-            <a:off x="2781968" y="1106487"/>
-            <a:ext cx="14070932" cy="8072438"/>
-          </a:xfrm>
-        </p:spPr>
-        <p:txBody>
-          <a:bodyPr>
-            <a:normAutofit/>
-          </a:bodyPr>
-          <a:lstStyle/>
-          <a:p>
-            <a:r>
-              <a:rPr lang="en-US" altLang="ja-JP" sz="4400" dirty="0"/>
-              <a:t>Decision Tree </a:t>
-            </a:r>
-            <a:r>
-              <a:rPr lang="ja-JP" altLang="en-US" sz="4400"/>
-              <a:t>（決定木）</a:t>
-            </a:r>
-            <a:endParaRPr lang="en-US" altLang="ja-JP" sz="4400" dirty="0"/>
-          </a:p>
-          <a:p>
-            <a:pPr lvl="1"/>
-            <a:r>
-              <a:rPr lang="ja-JP" altLang="en-US" sz="3600"/>
-              <a:t>決定木を用いた予測モデルの構築を行う</a:t>
-            </a:r>
-            <a:endParaRPr lang="en-US" altLang="ja-JP" sz="3600" dirty="0"/>
           </a:p>
         </p:txBody>
       </p:sp>
     </p:spTree>
     <p:extLst>
       <p:ext uri="{BB962C8B-B14F-4D97-AF65-F5344CB8AC3E}">
-        <p14:creationId xmlns:p14="http://schemas.microsoft.com/office/powerpoint/2010/main" val="2009477805"/>
+        <p14:creationId xmlns:p14="http://schemas.microsoft.com/office/powerpoint/2010/main" val="1567984866"/>
       </p:ext>
     </p:extLst>
   </p:cSld>
@@ -11897,7 +11897,7 @@
       </p:grpSpPr>
       <p:sp>
         <p:nvSpPr>
-          <p:cNvPr id="5" name="タイトル 4"/>
+          <p:cNvPr id="9" name="タイトル 8"/>
           <p:cNvSpPr>
             <a:spLocks noGrp="1"/>
           </p:cNvSpPr>
@@ -11905,98 +11905,34 @@
             <p:ph type="title"/>
           </p:nvPr>
         </p:nvSpPr>
-        <p:spPr/>
-        <p:txBody>
-          <a:bodyPr>
-            <a:normAutofit/>
-          </a:bodyPr>
+        <p:spPr>
+          <a:xfrm>
+            <a:off x="927100" y="471404"/>
+            <a:ext cx="16687800" cy="1077996"/>
+          </a:xfrm>
+        </p:spPr>
+        <p:txBody>
+          <a:bodyPr/>
           <a:lstStyle/>
           <a:p>
             <a:r>
-              <a:rPr kumimoji="1" lang="ja-JP" altLang="en-US" sz="6600" dirty="0"/>
-              <a:t>コンテンツ</a:t>
-            </a:r>
-          </a:p>
-        </p:txBody>
-      </p:sp>
-      <p:sp>
-        <p:nvSpPr>
-          <p:cNvPr id="6" name="テキスト プレースホルダー 5"/>
-          <p:cNvSpPr>
-            <a:spLocks noGrp="1"/>
-          </p:cNvSpPr>
-          <p:nvPr>
-            <p:ph type="body" sz="quarter" idx="12"/>
-          </p:nvPr>
-        </p:nvSpPr>
-        <p:spPr>
-          <a:xfrm>
-            <a:off x="7709647" y="1783556"/>
-            <a:ext cx="10578353" cy="6718300"/>
-          </a:xfrm>
-        </p:spPr>
-        <p:txBody>
-          <a:bodyPr>
-            <a:normAutofit/>
-          </a:bodyPr>
-          <a:lstStyle/>
-          <a:p>
-            <a:r>
-              <a:rPr lang="ja-JP" altLang="en-US" sz="4400"/>
-              <a:t>講義概要</a:t>
-            </a:r>
-            <a:endParaRPr lang="en-US" altLang="ja-JP" sz="4400" dirty="0"/>
-          </a:p>
-          <a:p>
-            <a:r>
-              <a:rPr lang="en-US" altLang="ja-JP" sz="4400" dirty="0"/>
-              <a:t>Kaggle (</a:t>
-            </a:r>
-            <a:r>
-              <a:rPr lang="en-US" altLang="ja-JP" sz="4400" dirty="0" err="1"/>
-              <a:t>Signate</a:t>
-            </a:r>
-            <a:r>
-              <a:rPr lang="en-US" altLang="ja-JP" sz="4400" dirty="0"/>
-              <a:t>)</a:t>
-            </a:r>
-            <a:r>
-              <a:rPr lang="ja-JP" altLang="en-US" sz="4400"/>
-              <a:t>について</a:t>
-            </a:r>
-            <a:endParaRPr lang="en-US" altLang="ja-JP" sz="4400" dirty="0"/>
-          </a:p>
-          <a:p>
-            <a:r>
-              <a:rPr lang="en-US" altLang="ja-JP" sz="4400" dirty="0">
-                <a:solidFill>
-                  <a:schemeClr val="accent1"/>
-                </a:solidFill>
-              </a:rPr>
+              <a:rPr lang="en-US" altLang="ja-JP" dirty="0"/>
               <a:t>Decision Tree </a:t>
             </a:r>
             <a:r>
-              <a:rPr lang="ja-JP" altLang="en-US" sz="4400">
-                <a:solidFill>
-                  <a:schemeClr val="accent1"/>
-                </a:solidFill>
-              </a:rPr>
+              <a:rPr lang="ja-JP" altLang="en-US"/>
               <a:t>（決定木）</a:t>
             </a:r>
-            <a:endParaRPr lang="en-US" altLang="ja-JP" sz="4400" dirty="0">
-              <a:solidFill>
-                <a:schemeClr val="accent1"/>
-              </a:solidFill>
-            </a:endParaRPr>
-          </a:p>
-        </p:txBody>
-      </p:sp>
-      <p:sp>
-        <p:nvSpPr>
-          <p:cNvPr id="4" name="Slide Number Placeholder 3">
+            <a:endParaRPr lang="en-US" altLang="ja-JP" dirty="0"/>
+          </a:p>
+        </p:txBody>
+      </p:sp>
+      <p:sp>
+        <p:nvSpPr>
+          <p:cNvPr id="31" name="Slide Number Placeholder 30">
             <a:extLst>
               <a:ext uri="{FF2B5EF4-FFF2-40B4-BE49-F238E27FC236}">
-                <a16:creationId xmlns:a16="http://schemas.microsoft.com/office/drawing/2014/main" id="{245B8BF2-989B-F944-AA36-2C3B20207F75}"/>
+                <a16:creationId xmlns:a16="http://schemas.microsoft.com/office/drawing/2014/main" id="{4B1988FE-E66C-024F-90E3-2BEDDB78EC11}"/>
               </a:ext>
             </a:extLst>
           </p:cNvPr>
@@ -12023,10 +11959,10 @@
       </p:sp>
       <p:sp>
         <p:nvSpPr>
-          <p:cNvPr id="8" name="Footer Placeholder 7">
+          <p:cNvPr id="32" name="Footer Placeholder 31">
             <a:extLst>
               <a:ext uri="{FF2B5EF4-FFF2-40B4-BE49-F238E27FC236}">
-                <a16:creationId xmlns:a16="http://schemas.microsoft.com/office/drawing/2014/main" id="{8F4850EF-3532-CD49-B997-A17BAB434D51}"/>
+                <a16:creationId xmlns:a16="http://schemas.microsoft.com/office/drawing/2014/main" id="{D89C7E2B-21AF-4F42-AB76-00E7E4D31AC3}"/>
               </a:ext>
             </a:extLst>
           </p:cNvPr>
@@ -12037,7 +11973,12 @@
             <p:ph type="ftr" sz="quarter" idx="11"/>
           </p:nvPr>
         </p:nvSpPr>
-        <p:spPr/>
+        <p:spPr>
+          <a:xfrm>
+            <a:off x="10680700" y="9621838"/>
+            <a:ext cx="6172200" cy="547687"/>
+          </a:xfrm>
+        </p:spPr>
         <p:txBody>
           <a:bodyPr/>
           <a:lstStyle/>
@@ -12047,13 +11988,99 @@
               <a:t>@Takato Matsumoto, 2020</a:t>
             </a:r>
             <a:endParaRPr kumimoji="1" lang="ja-JP" altLang="en-US" dirty="0"/>
+          </a:p>
+        </p:txBody>
+      </p:sp>
+      <p:sp>
+        <p:nvSpPr>
+          <p:cNvPr id="45" name="テキスト プレースホルダー 9">
+            <a:extLst>
+              <a:ext uri="{FF2B5EF4-FFF2-40B4-BE49-F238E27FC236}">
+                <a16:creationId xmlns:a16="http://schemas.microsoft.com/office/drawing/2014/main" id="{99EF46B6-0CC3-8B46-9856-B0F58F006A0B}"/>
+              </a:ext>
+            </a:extLst>
+          </p:cNvPr>
+          <p:cNvSpPr>
+            <a:spLocks noGrp="1"/>
+          </p:cNvSpPr>
+          <p:nvPr>
+            <p:ph type="body" sz="quarter" idx="12"/>
+          </p:nvPr>
+        </p:nvSpPr>
+        <p:spPr>
+          <a:xfrm>
+            <a:off x="2628900" y="1549400"/>
+            <a:ext cx="13030200" cy="8072438"/>
+          </a:xfrm>
+        </p:spPr>
+        <p:txBody>
+          <a:bodyPr>
+            <a:normAutofit/>
+          </a:bodyPr>
+          <a:lstStyle/>
+          <a:p>
+            <a:r>
+              <a:rPr lang="ja-JP" altLang="en-US" sz="4400">
+                <a:solidFill>
+                  <a:schemeClr val="accent1"/>
+                </a:solidFill>
+              </a:rPr>
+              <a:t>木構造</a:t>
+            </a:r>
+            <a:r>
+              <a:rPr lang="ja-JP" altLang="en-US" sz="4400"/>
+              <a:t>を用いた</a:t>
+            </a:r>
+            <a:r>
+              <a:rPr kumimoji="1" lang="ja-JP" altLang="en-US" sz="4400"/>
+              <a:t>予測モデル</a:t>
+            </a:r>
+            <a:endParaRPr kumimoji="1" lang="en-US" altLang="ja-JP" sz="4400" dirty="0"/>
+          </a:p>
+          <a:p>
+            <a:pPr lvl="1"/>
+            <a:r>
+              <a:rPr lang="ja-JP" altLang="en-US" sz="3600"/>
+              <a:t>解釈可能性が高い</a:t>
+            </a:r>
+            <a:endParaRPr lang="en-US" altLang="ja-JP" sz="3600" dirty="0"/>
+          </a:p>
+          <a:p>
+            <a:pPr lvl="2"/>
+            <a:r>
+              <a:rPr lang="ja-JP" altLang="en-US" sz="3600"/>
+              <a:t>なぜそのような結果になったかが分かりやすい</a:t>
+            </a:r>
+            <a:endParaRPr lang="en-US" altLang="ja-JP" sz="3600" dirty="0"/>
+          </a:p>
+          <a:p>
+            <a:pPr lvl="2"/>
+            <a:r>
+              <a:rPr lang="ja-JP" altLang="en-US" sz="3600"/>
+              <a:t>説明責任が高いケースに用いられる</a:t>
+            </a:r>
+            <a:endParaRPr lang="en-US" altLang="ja-JP" sz="3600" dirty="0"/>
+          </a:p>
+          <a:p>
+            <a:pPr lvl="1"/>
+            <a:r>
+              <a:rPr lang="ja-JP" altLang="en-US" sz="3600"/>
+              <a:t>分類または回帰モデルがある</a:t>
+            </a:r>
+            <a:endParaRPr lang="en-US" altLang="ja-JP" sz="3600" dirty="0"/>
+          </a:p>
+          <a:p>
+            <a:pPr marL="557146" lvl="1" indent="0">
+              <a:buNone/>
+            </a:pPr>
+            <a:endParaRPr lang="en-US" altLang="ja-JP" sz="3600" dirty="0"/>
           </a:p>
         </p:txBody>
       </p:sp>
     </p:spTree>
     <p:extLst>
       <p:ext uri="{BB962C8B-B14F-4D97-AF65-F5344CB8AC3E}">
-        <p14:creationId xmlns:p14="http://schemas.microsoft.com/office/powerpoint/2010/main" val="1567984866"/>
+        <p14:creationId xmlns:p14="http://schemas.microsoft.com/office/powerpoint/2010/main" val="3785140216"/>
       </p:ext>
     </p:extLst>
   </p:cSld>
@@ -12137,218 +12164,6 @@
               <a:rPr kumimoji="1" lang="ja-JP" altLang="en-US" smtClean="0"/>
               <a:pPr/>
               <a:t>12</a:t>
-            </a:fld>
-            <a:endParaRPr kumimoji="1" lang="ja-JP" altLang="en-US"/>
-          </a:p>
-        </p:txBody>
-      </p:sp>
-      <p:sp>
-        <p:nvSpPr>
-          <p:cNvPr id="32" name="Footer Placeholder 31">
-            <a:extLst>
-              <a:ext uri="{FF2B5EF4-FFF2-40B4-BE49-F238E27FC236}">
-                <a16:creationId xmlns:a16="http://schemas.microsoft.com/office/drawing/2014/main" id="{D89C7E2B-21AF-4F42-AB76-00E7E4D31AC3}"/>
-              </a:ext>
-            </a:extLst>
-          </p:cNvPr>
-          <p:cNvSpPr>
-            <a:spLocks noGrp="1"/>
-          </p:cNvSpPr>
-          <p:nvPr>
-            <p:ph type="ftr" sz="quarter" idx="11"/>
-          </p:nvPr>
-        </p:nvSpPr>
-        <p:spPr>
-          <a:xfrm>
-            <a:off x="10680700" y="9621838"/>
-            <a:ext cx="6172200" cy="547687"/>
-          </a:xfrm>
-        </p:spPr>
-        <p:txBody>
-          <a:bodyPr/>
-          <a:lstStyle/>
-          <a:p>
-            <a:r>
-              <a:rPr kumimoji="1" lang="en-US" altLang="ja-JP"/>
-              <a:t>@Takato Matsumoto, 2020</a:t>
-            </a:r>
-            <a:endParaRPr kumimoji="1" lang="ja-JP" altLang="en-US" dirty="0"/>
-          </a:p>
-        </p:txBody>
-      </p:sp>
-      <p:sp>
-        <p:nvSpPr>
-          <p:cNvPr id="45" name="テキスト プレースホルダー 9">
-            <a:extLst>
-              <a:ext uri="{FF2B5EF4-FFF2-40B4-BE49-F238E27FC236}">
-                <a16:creationId xmlns:a16="http://schemas.microsoft.com/office/drawing/2014/main" id="{99EF46B6-0CC3-8B46-9856-B0F58F006A0B}"/>
-              </a:ext>
-            </a:extLst>
-          </p:cNvPr>
-          <p:cNvSpPr>
-            <a:spLocks noGrp="1"/>
-          </p:cNvSpPr>
-          <p:nvPr>
-            <p:ph type="body" sz="quarter" idx="12"/>
-          </p:nvPr>
-        </p:nvSpPr>
-        <p:spPr>
-          <a:xfrm>
-            <a:off x="2628900" y="1549400"/>
-            <a:ext cx="13030200" cy="8072438"/>
-          </a:xfrm>
-        </p:spPr>
-        <p:txBody>
-          <a:bodyPr>
-            <a:normAutofit/>
-          </a:bodyPr>
-          <a:lstStyle/>
-          <a:p>
-            <a:r>
-              <a:rPr lang="ja-JP" altLang="en-US" sz="4400">
-                <a:solidFill>
-                  <a:schemeClr val="accent1"/>
-                </a:solidFill>
-              </a:rPr>
-              <a:t>木構造</a:t>
-            </a:r>
-            <a:r>
-              <a:rPr lang="ja-JP" altLang="en-US" sz="4400"/>
-              <a:t>を用いた</a:t>
-            </a:r>
-            <a:r>
-              <a:rPr kumimoji="1" lang="ja-JP" altLang="en-US" sz="4400"/>
-              <a:t>予測モデル</a:t>
-            </a:r>
-            <a:endParaRPr kumimoji="1" lang="en-US" altLang="ja-JP" sz="4400" dirty="0"/>
-          </a:p>
-          <a:p>
-            <a:pPr lvl="1"/>
-            <a:r>
-              <a:rPr lang="ja-JP" altLang="en-US" sz="3600"/>
-              <a:t>解釈可能性が高い</a:t>
-            </a:r>
-            <a:endParaRPr lang="en-US" altLang="ja-JP" sz="3600" dirty="0"/>
-          </a:p>
-          <a:p>
-            <a:pPr lvl="2"/>
-            <a:r>
-              <a:rPr lang="ja-JP" altLang="en-US" sz="3600"/>
-              <a:t>なぜそのような結果になったかが分かりやすい</a:t>
-            </a:r>
-            <a:endParaRPr lang="en-US" altLang="ja-JP" sz="3600" dirty="0"/>
-          </a:p>
-          <a:p>
-            <a:pPr lvl="2"/>
-            <a:r>
-              <a:rPr lang="ja-JP" altLang="en-US" sz="3600"/>
-              <a:t>説明責任が高いケースに用いられる</a:t>
-            </a:r>
-            <a:endParaRPr lang="en-US" altLang="ja-JP" sz="3600" dirty="0"/>
-          </a:p>
-          <a:p>
-            <a:pPr lvl="1"/>
-            <a:r>
-              <a:rPr lang="ja-JP" altLang="en-US" sz="3600"/>
-              <a:t>分類または回帰モデルがある</a:t>
-            </a:r>
-            <a:endParaRPr lang="en-US" altLang="ja-JP" sz="3600" dirty="0"/>
-          </a:p>
-          <a:p>
-            <a:pPr marL="557146" lvl="1" indent="0">
-              <a:buNone/>
-            </a:pPr>
-            <a:endParaRPr lang="en-US" altLang="ja-JP" sz="3600" dirty="0"/>
-          </a:p>
-        </p:txBody>
-      </p:sp>
-    </p:spTree>
-    <p:extLst>
-      <p:ext uri="{BB962C8B-B14F-4D97-AF65-F5344CB8AC3E}">
-        <p14:creationId xmlns:p14="http://schemas.microsoft.com/office/powerpoint/2010/main" val="3785140216"/>
-      </p:ext>
-    </p:extLst>
-  </p:cSld>
-  <p:clrMapOvr>
-    <a:masterClrMapping/>
-  </p:clrMapOvr>
-</p:sld>
-</file>
-
-<file path=ppt/slides/slide13.xml><?xml version="1.0" encoding="utf-8"?>
-<p:sld xmlns:a="http://schemas.openxmlformats.org/drawingml/2006/main" xmlns:r="http://schemas.openxmlformats.org/officeDocument/2006/relationships" xmlns:p="http://schemas.openxmlformats.org/presentationml/2006/main">
-  <p:cSld>
-    <p:spTree>
-      <p:nvGrpSpPr>
-        <p:cNvPr id="1" name=""/>
-        <p:cNvGrpSpPr/>
-        <p:nvPr/>
-      </p:nvGrpSpPr>
-      <p:grpSpPr>
-        <a:xfrm>
-          <a:off x="0" y="0"/>
-          <a:ext cx="0" cy="0"/>
-          <a:chOff x="0" y="0"/>
-          <a:chExt cx="0" cy="0"/>
-        </a:xfrm>
-      </p:grpSpPr>
-      <p:sp>
-        <p:nvSpPr>
-          <p:cNvPr id="9" name="タイトル 8"/>
-          <p:cNvSpPr>
-            <a:spLocks noGrp="1"/>
-          </p:cNvSpPr>
-          <p:nvPr>
-            <p:ph type="title"/>
-          </p:nvPr>
-        </p:nvSpPr>
-        <p:spPr>
-          <a:xfrm>
-            <a:off x="927100" y="471404"/>
-            <a:ext cx="16687800" cy="1077996"/>
-          </a:xfrm>
-        </p:spPr>
-        <p:txBody>
-          <a:bodyPr/>
-          <a:lstStyle/>
-          <a:p>
-            <a:r>
-              <a:rPr lang="en-US" altLang="ja-JP" dirty="0"/>
-              <a:t>Decision Tree </a:t>
-            </a:r>
-            <a:r>
-              <a:rPr lang="ja-JP" altLang="en-US"/>
-              <a:t>（決定木）</a:t>
-            </a:r>
-            <a:endParaRPr lang="en-US" altLang="ja-JP" dirty="0"/>
-          </a:p>
-        </p:txBody>
-      </p:sp>
-      <p:sp>
-        <p:nvSpPr>
-          <p:cNvPr id="31" name="Slide Number Placeholder 30">
-            <a:extLst>
-              <a:ext uri="{FF2B5EF4-FFF2-40B4-BE49-F238E27FC236}">
-                <a16:creationId xmlns:a16="http://schemas.microsoft.com/office/drawing/2014/main" id="{4B1988FE-E66C-024F-90E3-2BEDDB78EC11}"/>
-              </a:ext>
-            </a:extLst>
-          </p:cNvPr>
-          <p:cNvSpPr>
-            <a:spLocks noGrp="1"/>
-          </p:cNvSpPr>
-          <p:nvPr>
-            <p:ph type="sldNum" sz="quarter" idx="10"/>
-          </p:nvPr>
-        </p:nvSpPr>
-        <p:spPr/>
-        <p:txBody>
-          <a:bodyPr/>
-          <a:lstStyle/>
-          <a:p>
-            <a:fld id="{D28C7C6D-0F52-4FBA-8358-35C6083C2133}" type="slidenum">
-              <a:rPr kumimoji="1" lang="ja-JP" altLang="en-US" smtClean="0"/>
-              <a:pPr/>
-              <a:t>13</a:t>
             </a:fld>
             <a:endParaRPr kumimoji="1" lang="ja-JP" altLang="en-US"/>
           </a:p>
@@ -13575,6 +13390,261 @@
 </p:sld>
 </file>
 
+<file path=ppt/slides/slide13.xml><?xml version="1.0" encoding="utf-8"?>
+<p:sld xmlns:a="http://schemas.openxmlformats.org/drawingml/2006/main" xmlns:r="http://schemas.openxmlformats.org/officeDocument/2006/relationships" xmlns:p="http://schemas.openxmlformats.org/presentationml/2006/main">
+  <p:cSld>
+    <p:spTree>
+      <p:nvGrpSpPr>
+        <p:cNvPr id="1" name=""/>
+        <p:cNvGrpSpPr/>
+        <p:nvPr/>
+      </p:nvGrpSpPr>
+      <p:grpSpPr>
+        <a:xfrm>
+          <a:off x="0" y="0"/>
+          <a:ext cx="0" cy="0"/>
+          <a:chOff x="0" y="0"/>
+          <a:chExt cx="0" cy="0"/>
+        </a:xfrm>
+      </p:grpSpPr>
+      <p:sp>
+        <p:nvSpPr>
+          <p:cNvPr id="9" name="タイトル 8"/>
+          <p:cNvSpPr>
+            <a:spLocks noGrp="1"/>
+          </p:cNvSpPr>
+          <p:nvPr>
+            <p:ph type="title"/>
+          </p:nvPr>
+        </p:nvSpPr>
+        <p:spPr>
+          <a:xfrm>
+            <a:off x="927100" y="471404"/>
+            <a:ext cx="16687800" cy="1077996"/>
+          </a:xfrm>
+        </p:spPr>
+        <p:txBody>
+          <a:bodyPr/>
+          <a:lstStyle/>
+          <a:p>
+            <a:r>
+              <a:rPr lang="en-US" altLang="ja-JP" dirty="0"/>
+              <a:t>Decision Tree </a:t>
+            </a:r>
+            <a:r>
+              <a:rPr lang="ja-JP" altLang="en-US"/>
+              <a:t>（決定木）</a:t>
+            </a:r>
+            <a:endParaRPr lang="en-US" altLang="ja-JP" dirty="0"/>
+          </a:p>
+        </p:txBody>
+      </p:sp>
+      <p:sp>
+        <p:nvSpPr>
+          <p:cNvPr id="31" name="Slide Number Placeholder 30">
+            <a:extLst>
+              <a:ext uri="{FF2B5EF4-FFF2-40B4-BE49-F238E27FC236}">
+                <a16:creationId xmlns:a16="http://schemas.microsoft.com/office/drawing/2014/main" id="{4B1988FE-E66C-024F-90E3-2BEDDB78EC11}"/>
+              </a:ext>
+            </a:extLst>
+          </p:cNvPr>
+          <p:cNvSpPr>
+            <a:spLocks noGrp="1"/>
+          </p:cNvSpPr>
+          <p:nvPr>
+            <p:ph type="sldNum" sz="quarter" idx="10"/>
+          </p:nvPr>
+        </p:nvSpPr>
+        <p:spPr/>
+        <p:txBody>
+          <a:bodyPr/>
+          <a:lstStyle/>
+          <a:p>
+            <a:fld id="{D28C7C6D-0F52-4FBA-8358-35C6083C2133}" type="slidenum">
+              <a:rPr kumimoji="1" lang="ja-JP" altLang="en-US" smtClean="0"/>
+              <a:pPr/>
+              <a:t>13</a:t>
+            </a:fld>
+            <a:endParaRPr kumimoji="1" lang="ja-JP" altLang="en-US"/>
+          </a:p>
+        </p:txBody>
+      </p:sp>
+      <p:sp>
+        <p:nvSpPr>
+          <p:cNvPr id="32" name="Footer Placeholder 31">
+            <a:extLst>
+              <a:ext uri="{FF2B5EF4-FFF2-40B4-BE49-F238E27FC236}">
+                <a16:creationId xmlns:a16="http://schemas.microsoft.com/office/drawing/2014/main" id="{D89C7E2B-21AF-4F42-AB76-00E7E4D31AC3}"/>
+              </a:ext>
+            </a:extLst>
+          </p:cNvPr>
+          <p:cNvSpPr>
+            <a:spLocks noGrp="1"/>
+          </p:cNvSpPr>
+          <p:nvPr>
+            <p:ph type="ftr" sz="quarter" idx="11"/>
+          </p:nvPr>
+        </p:nvSpPr>
+        <p:spPr>
+          <a:xfrm>
+            <a:off x="10680700" y="9621838"/>
+            <a:ext cx="6172200" cy="547687"/>
+          </a:xfrm>
+        </p:spPr>
+        <p:txBody>
+          <a:bodyPr/>
+          <a:lstStyle/>
+          <a:p>
+            <a:r>
+              <a:rPr kumimoji="1" lang="en-US" altLang="ja-JP"/>
+              <a:t>@Takato Matsumoto, 2020</a:t>
+            </a:r>
+            <a:endParaRPr kumimoji="1" lang="ja-JP" altLang="en-US" dirty="0"/>
+          </a:p>
+        </p:txBody>
+      </p:sp>
+      <p:sp>
+        <p:nvSpPr>
+          <p:cNvPr id="45" name="テキスト プレースホルダー 9">
+            <a:extLst>
+              <a:ext uri="{FF2B5EF4-FFF2-40B4-BE49-F238E27FC236}">
+                <a16:creationId xmlns:a16="http://schemas.microsoft.com/office/drawing/2014/main" id="{99EF46B6-0CC3-8B46-9856-B0F58F006A0B}"/>
+              </a:ext>
+            </a:extLst>
+          </p:cNvPr>
+          <p:cNvSpPr>
+            <a:spLocks noGrp="1"/>
+          </p:cNvSpPr>
+          <p:nvPr>
+            <p:ph type="body" sz="quarter" idx="12"/>
+          </p:nvPr>
+        </p:nvSpPr>
+        <p:spPr>
+          <a:xfrm>
+            <a:off x="1957138" y="1010402"/>
+            <a:ext cx="15086262" cy="7761455"/>
+          </a:xfrm>
+        </p:spPr>
+        <p:txBody>
+          <a:bodyPr>
+            <a:normAutofit fontScale="92500"/>
+          </a:bodyPr>
+          <a:lstStyle/>
+          <a:p>
+            <a:pPr marL="557146" lvl="1" indent="0">
+              <a:buNone/>
+            </a:pPr>
+            <a:endParaRPr lang="en-US" altLang="ja-JP" sz="3600" dirty="0"/>
+          </a:p>
+          <a:p>
+            <a:r>
+              <a:rPr lang="ja-JP" altLang="en-US" sz="4400">
+                <a:solidFill>
+                  <a:schemeClr val="accent1"/>
+                </a:solidFill>
+              </a:rPr>
+              <a:t>解釈可能性</a:t>
+            </a:r>
+            <a:r>
+              <a:rPr lang="ja-JP" altLang="en-US" sz="4400"/>
+              <a:t>が高いためビジネスでよく利用される</a:t>
+            </a:r>
+            <a:endParaRPr lang="en-US" altLang="ja-JP" sz="4400" dirty="0"/>
+          </a:p>
+          <a:p>
+            <a:pPr lvl="1"/>
+            <a:r>
+              <a:rPr lang="ja-JP" altLang="en-US" sz="3600"/>
+              <a:t>要因の把握ができる</a:t>
+            </a:r>
+            <a:endParaRPr lang="en-US" altLang="ja-JP" sz="3600" dirty="0"/>
+          </a:p>
+          <a:p>
+            <a:pPr lvl="2"/>
+            <a:r>
+              <a:rPr lang="ja-JP" altLang="en-US" sz="3600"/>
+              <a:t>顧客の嗜好，購入動機の分析</a:t>
+            </a:r>
+            <a:r>
+              <a:rPr lang="en-US" altLang="ja-JP" sz="3600" dirty="0"/>
+              <a:t> </a:t>
+            </a:r>
+            <a:r>
+              <a:rPr lang="ja-JP" altLang="en-US" sz="3600"/>
+              <a:t>（マーケティング）</a:t>
+            </a:r>
+            <a:endParaRPr lang="en-US" altLang="ja-JP" sz="3600" dirty="0"/>
+          </a:p>
+          <a:p>
+            <a:pPr lvl="2"/>
+            <a:r>
+              <a:rPr lang="ja-JP" altLang="en-US" sz="3600"/>
+              <a:t>顧客の信用度の予測</a:t>
+            </a:r>
+            <a:r>
+              <a:rPr lang="en-US" altLang="ja-JP" sz="3600" dirty="0"/>
+              <a:t> </a:t>
+            </a:r>
+            <a:r>
+              <a:rPr lang="ja-JP" altLang="en-US" sz="3600"/>
+              <a:t>（金融機関など）</a:t>
+            </a:r>
+            <a:endParaRPr lang="en-US" altLang="ja-JP" sz="3600" dirty="0"/>
+          </a:p>
+          <a:p>
+            <a:pPr lvl="2"/>
+            <a:endParaRPr lang="en-US" altLang="ja-JP" sz="4400" dirty="0"/>
+          </a:p>
+          <a:p>
+            <a:r>
+              <a:rPr lang="ja-JP" altLang="en-US" sz="4400"/>
+              <a:t>解釈可能性</a:t>
+            </a:r>
+            <a:endParaRPr lang="en-US" altLang="ja-JP" sz="4400" dirty="0"/>
+          </a:p>
+          <a:p>
+            <a:pPr lvl="1"/>
+            <a:r>
+              <a:rPr lang="ja-JP" altLang="en-US" sz="3600"/>
+              <a:t>予測モデルが，予測を行うプロセスの理解のしやすさのこと</a:t>
+            </a:r>
+            <a:endParaRPr lang="en-US" altLang="ja-JP" sz="3600" dirty="0"/>
+          </a:p>
+          <a:p>
+            <a:pPr lvl="1"/>
+            <a:r>
+              <a:rPr lang="en-US" altLang="ja-JP" sz="3600" dirty="0"/>
+              <a:t>Deep</a:t>
+            </a:r>
+            <a:r>
+              <a:rPr lang="ja-JP" altLang="en-US" sz="3600"/>
+              <a:t> </a:t>
+            </a:r>
+            <a:r>
+              <a:rPr lang="en-US" altLang="ja-JP" sz="3600" dirty="0"/>
+              <a:t>Learning</a:t>
+            </a:r>
+            <a:r>
+              <a:rPr lang="ja-JP" altLang="en-US" sz="3600"/>
+              <a:t>などの手法は，ブラックボックスであるため解釈可能性が低い</a:t>
+            </a:r>
+            <a:endParaRPr lang="en-US" altLang="ja-JP" sz="3600" dirty="0"/>
+          </a:p>
+        </p:txBody>
+      </p:sp>
+    </p:spTree>
+    <p:extLst>
+      <p:ext uri="{BB962C8B-B14F-4D97-AF65-F5344CB8AC3E}">
+        <p14:creationId xmlns:p14="http://schemas.microsoft.com/office/powerpoint/2010/main" val="2748754887"/>
+      </p:ext>
+    </p:extLst>
+  </p:cSld>
+  <p:clrMapOvr>
+    <a:masterClrMapping/>
+  </p:clrMapOvr>
+</p:sld>
+</file>
+
 <file path=ppt/slides/slide14.xml><?xml version="1.0" encoding="utf-8"?>
 <p:sld xmlns:a="http://schemas.openxmlformats.org/drawingml/2006/main" xmlns:r="http://schemas.openxmlformats.org/officeDocument/2006/relationships" xmlns:p="http://schemas.openxmlformats.org/presentationml/2006/main">
   <p:cSld>
@@ -13620,6 +13690,14 @@
               <a:rPr lang="ja-JP" altLang="en-US"/>
               <a:t>（決定木）</a:t>
             </a:r>
+            <a:r>
+              <a:rPr lang="en-US" altLang="ja-JP" dirty="0"/>
+              <a:t> | </a:t>
+            </a:r>
+            <a:r>
+              <a:rPr lang="ja-JP" altLang="en-US"/>
+              <a:t>金融機関の例</a:t>
+            </a:r>
             <a:endParaRPr lang="en-US" altLang="ja-JP" dirty="0"/>
           </a:p>
         </p:txBody>
@@ -13649,269 +13727,6 @@
               <a:rPr kumimoji="1" lang="ja-JP" altLang="en-US" smtClean="0"/>
               <a:pPr/>
               <a:t>14</a:t>
-            </a:fld>
-            <a:endParaRPr kumimoji="1" lang="ja-JP" altLang="en-US"/>
-          </a:p>
-        </p:txBody>
-      </p:sp>
-      <p:sp>
-        <p:nvSpPr>
-          <p:cNvPr id="32" name="Footer Placeholder 31">
-            <a:extLst>
-              <a:ext uri="{FF2B5EF4-FFF2-40B4-BE49-F238E27FC236}">
-                <a16:creationId xmlns:a16="http://schemas.microsoft.com/office/drawing/2014/main" id="{D89C7E2B-21AF-4F42-AB76-00E7E4D31AC3}"/>
-              </a:ext>
-            </a:extLst>
-          </p:cNvPr>
-          <p:cNvSpPr>
-            <a:spLocks noGrp="1"/>
-          </p:cNvSpPr>
-          <p:nvPr>
-            <p:ph type="ftr" sz="quarter" idx="11"/>
-          </p:nvPr>
-        </p:nvSpPr>
-        <p:spPr>
-          <a:xfrm>
-            <a:off x="10680700" y="9621838"/>
-            <a:ext cx="6172200" cy="547687"/>
-          </a:xfrm>
-        </p:spPr>
-        <p:txBody>
-          <a:bodyPr/>
-          <a:lstStyle/>
-          <a:p>
-            <a:r>
-              <a:rPr kumimoji="1" lang="en-US" altLang="ja-JP"/>
-              <a:t>@Takato Matsumoto, 2020</a:t>
-            </a:r>
-            <a:endParaRPr kumimoji="1" lang="ja-JP" altLang="en-US" dirty="0"/>
-          </a:p>
-        </p:txBody>
-      </p:sp>
-      <p:sp>
-        <p:nvSpPr>
-          <p:cNvPr id="45" name="テキスト プレースホルダー 9">
-            <a:extLst>
-              <a:ext uri="{FF2B5EF4-FFF2-40B4-BE49-F238E27FC236}">
-                <a16:creationId xmlns:a16="http://schemas.microsoft.com/office/drawing/2014/main" id="{99EF46B6-0CC3-8B46-9856-B0F58F006A0B}"/>
-              </a:ext>
-            </a:extLst>
-          </p:cNvPr>
-          <p:cNvSpPr>
-            <a:spLocks noGrp="1"/>
-          </p:cNvSpPr>
-          <p:nvPr>
-            <p:ph type="body" sz="quarter" idx="12"/>
-          </p:nvPr>
-        </p:nvSpPr>
-        <p:spPr>
-          <a:xfrm>
-            <a:off x="1957138" y="1010402"/>
-            <a:ext cx="15086262" cy="7761455"/>
-          </a:xfrm>
-        </p:spPr>
-        <p:txBody>
-          <a:bodyPr>
-            <a:normAutofit fontScale="92500"/>
-          </a:bodyPr>
-          <a:lstStyle/>
-          <a:p>
-            <a:pPr marL="557146" lvl="1" indent="0">
-              <a:buNone/>
-            </a:pPr>
-            <a:endParaRPr lang="en-US" altLang="ja-JP" sz="3600" dirty="0"/>
-          </a:p>
-          <a:p>
-            <a:r>
-              <a:rPr lang="ja-JP" altLang="en-US" sz="4400">
-                <a:solidFill>
-                  <a:schemeClr val="accent1"/>
-                </a:solidFill>
-              </a:rPr>
-              <a:t>解釈可能性</a:t>
-            </a:r>
-            <a:r>
-              <a:rPr lang="ja-JP" altLang="en-US" sz="4400"/>
-              <a:t>が高いためビジネスでよく利用される</a:t>
-            </a:r>
-            <a:endParaRPr lang="en-US" altLang="ja-JP" sz="4400" dirty="0"/>
-          </a:p>
-          <a:p>
-            <a:pPr lvl="1"/>
-            <a:r>
-              <a:rPr lang="ja-JP" altLang="en-US" sz="3600"/>
-              <a:t>要因の把握ができる</a:t>
-            </a:r>
-            <a:endParaRPr lang="en-US" altLang="ja-JP" sz="3600" dirty="0"/>
-          </a:p>
-          <a:p>
-            <a:pPr lvl="2"/>
-            <a:r>
-              <a:rPr lang="ja-JP" altLang="en-US" sz="3600"/>
-              <a:t>顧客の嗜好，購入動機の分析</a:t>
-            </a:r>
-            <a:r>
-              <a:rPr lang="en-US" altLang="ja-JP" sz="3600" dirty="0"/>
-              <a:t> </a:t>
-            </a:r>
-            <a:r>
-              <a:rPr lang="ja-JP" altLang="en-US" sz="3600"/>
-              <a:t>（マーケティング）</a:t>
-            </a:r>
-            <a:endParaRPr lang="en-US" altLang="ja-JP" sz="3600" dirty="0"/>
-          </a:p>
-          <a:p>
-            <a:pPr lvl="2"/>
-            <a:r>
-              <a:rPr lang="ja-JP" altLang="en-US" sz="3600"/>
-              <a:t>顧客の信用度の予測</a:t>
-            </a:r>
-            <a:r>
-              <a:rPr lang="en-US" altLang="ja-JP" sz="3600" dirty="0"/>
-              <a:t> </a:t>
-            </a:r>
-            <a:r>
-              <a:rPr lang="ja-JP" altLang="en-US" sz="3600"/>
-              <a:t>（金融機関など）</a:t>
-            </a:r>
-            <a:endParaRPr lang="en-US" altLang="ja-JP" sz="3600" dirty="0"/>
-          </a:p>
-          <a:p>
-            <a:pPr lvl="2"/>
-            <a:endParaRPr lang="en-US" altLang="ja-JP" sz="4400" dirty="0"/>
-          </a:p>
-          <a:p>
-            <a:r>
-              <a:rPr lang="ja-JP" altLang="en-US" sz="4400"/>
-              <a:t>解釈可能性</a:t>
-            </a:r>
-            <a:endParaRPr lang="en-US" altLang="ja-JP" sz="4400" dirty="0"/>
-          </a:p>
-          <a:p>
-            <a:pPr lvl="1"/>
-            <a:r>
-              <a:rPr lang="ja-JP" altLang="en-US" sz="3600"/>
-              <a:t>予測モデルが，予測を行うプロセスの理解のしやすさのこと</a:t>
-            </a:r>
-            <a:endParaRPr lang="en-US" altLang="ja-JP" sz="3600" dirty="0"/>
-          </a:p>
-          <a:p>
-            <a:pPr lvl="1"/>
-            <a:r>
-              <a:rPr lang="en-US" altLang="ja-JP" sz="3600" dirty="0"/>
-              <a:t>Deep</a:t>
-            </a:r>
-            <a:r>
-              <a:rPr lang="ja-JP" altLang="en-US" sz="3600"/>
-              <a:t> </a:t>
-            </a:r>
-            <a:r>
-              <a:rPr lang="en-US" altLang="ja-JP" sz="3600" dirty="0"/>
-              <a:t>Learning</a:t>
-            </a:r>
-            <a:r>
-              <a:rPr lang="ja-JP" altLang="en-US" sz="3600"/>
-              <a:t>などの手法は，ブラックボックスであるため解釈可能性が低い</a:t>
-            </a:r>
-            <a:endParaRPr lang="en-US" altLang="ja-JP" sz="3600" dirty="0"/>
-          </a:p>
-        </p:txBody>
-      </p:sp>
-    </p:spTree>
-    <p:extLst>
-      <p:ext uri="{BB962C8B-B14F-4D97-AF65-F5344CB8AC3E}">
-        <p14:creationId xmlns:p14="http://schemas.microsoft.com/office/powerpoint/2010/main" val="2748754887"/>
-      </p:ext>
-    </p:extLst>
-  </p:cSld>
-  <p:clrMapOvr>
-    <a:masterClrMapping/>
-  </p:clrMapOvr>
-</p:sld>
-</file>
-
-<file path=ppt/slides/slide15.xml><?xml version="1.0" encoding="utf-8"?>
-<p:sld xmlns:a="http://schemas.openxmlformats.org/drawingml/2006/main" xmlns:r="http://schemas.openxmlformats.org/officeDocument/2006/relationships" xmlns:p="http://schemas.openxmlformats.org/presentationml/2006/main">
-  <p:cSld>
-    <p:spTree>
-      <p:nvGrpSpPr>
-        <p:cNvPr id="1" name=""/>
-        <p:cNvGrpSpPr/>
-        <p:nvPr/>
-      </p:nvGrpSpPr>
-      <p:grpSpPr>
-        <a:xfrm>
-          <a:off x="0" y="0"/>
-          <a:ext cx="0" cy="0"/>
-          <a:chOff x="0" y="0"/>
-          <a:chExt cx="0" cy="0"/>
-        </a:xfrm>
-      </p:grpSpPr>
-      <p:sp>
-        <p:nvSpPr>
-          <p:cNvPr id="9" name="タイトル 8"/>
-          <p:cNvSpPr>
-            <a:spLocks noGrp="1"/>
-          </p:cNvSpPr>
-          <p:nvPr>
-            <p:ph type="title"/>
-          </p:nvPr>
-        </p:nvSpPr>
-        <p:spPr>
-          <a:xfrm>
-            <a:off x="927100" y="471404"/>
-            <a:ext cx="16687800" cy="1077996"/>
-          </a:xfrm>
-        </p:spPr>
-        <p:txBody>
-          <a:bodyPr/>
-          <a:lstStyle/>
-          <a:p>
-            <a:r>
-              <a:rPr lang="en-US" altLang="ja-JP" dirty="0"/>
-              <a:t>Decision Tree </a:t>
-            </a:r>
-            <a:r>
-              <a:rPr lang="ja-JP" altLang="en-US"/>
-              <a:t>（決定木）</a:t>
-            </a:r>
-            <a:r>
-              <a:rPr lang="en-US" altLang="ja-JP" dirty="0"/>
-              <a:t> | </a:t>
-            </a:r>
-            <a:r>
-              <a:rPr lang="ja-JP" altLang="en-US"/>
-              <a:t>金融機関の例</a:t>
-            </a:r>
-            <a:endParaRPr lang="en-US" altLang="ja-JP" dirty="0"/>
-          </a:p>
-        </p:txBody>
-      </p:sp>
-      <p:sp>
-        <p:nvSpPr>
-          <p:cNvPr id="31" name="Slide Number Placeholder 30">
-            <a:extLst>
-              <a:ext uri="{FF2B5EF4-FFF2-40B4-BE49-F238E27FC236}">
-                <a16:creationId xmlns:a16="http://schemas.microsoft.com/office/drawing/2014/main" id="{4B1988FE-E66C-024F-90E3-2BEDDB78EC11}"/>
-              </a:ext>
-            </a:extLst>
-          </p:cNvPr>
-          <p:cNvSpPr>
-            <a:spLocks noGrp="1"/>
-          </p:cNvSpPr>
-          <p:nvPr>
-            <p:ph type="sldNum" sz="quarter" idx="10"/>
-          </p:nvPr>
-        </p:nvSpPr>
-        <p:spPr/>
-        <p:txBody>
-          <a:bodyPr/>
-          <a:lstStyle/>
-          <a:p>
-            <a:fld id="{D28C7C6D-0F52-4FBA-8358-35C6083C2133}" type="slidenum">
-              <a:rPr kumimoji="1" lang="ja-JP" altLang="en-US" smtClean="0"/>
-              <a:pPr/>
-              <a:t>15</a:t>
             </a:fld>
             <a:endParaRPr kumimoji="1" lang="ja-JP" altLang="en-US"/>
           </a:p>
@@ -15282,7 +15097,7 @@
 </p:sld>
 </file>
 
-<file path=ppt/slides/slide16.xml><?xml version="1.0" encoding="utf-8"?>
+<file path=ppt/slides/slide15.xml><?xml version="1.0" encoding="utf-8"?>
 <p:sld xmlns:a="http://schemas.openxmlformats.org/drawingml/2006/main" xmlns:r="http://schemas.openxmlformats.org/officeDocument/2006/relationships" xmlns:p="http://schemas.openxmlformats.org/presentationml/2006/main">
   <p:cSld>
     <p:spTree>
@@ -15363,7 +15178,7 @@
             <a:fld id="{D28C7C6D-0F52-4FBA-8358-35C6083C2133}" type="slidenum">
               <a:rPr kumimoji="1" lang="ja-JP" altLang="en-US" smtClean="0"/>
               <a:pPr/>
-              <a:t>16</a:t>
+              <a:t>15</a:t>
             </a:fld>
             <a:endParaRPr kumimoji="1" lang="ja-JP" altLang="en-US"/>
           </a:p>
@@ -15603,7 +15418,7 @@
 </p:sld>
 </file>
 
-<file path=ppt/slides/slide17.xml><?xml version="1.0" encoding="utf-8"?>
+<file path=ppt/slides/slide16.xml><?xml version="1.0" encoding="utf-8"?>
 <p:sld xmlns:a="http://schemas.openxmlformats.org/drawingml/2006/main" xmlns:r="http://schemas.openxmlformats.org/officeDocument/2006/relationships" xmlns:p="http://schemas.openxmlformats.org/presentationml/2006/main">
   <p:cSld>
     <p:spTree>
@@ -15684,7 +15499,7 @@
             <a:fld id="{D28C7C6D-0F52-4FBA-8358-35C6083C2133}" type="slidenum">
               <a:rPr kumimoji="1" lang="ja-JP" altLang="en-US" smtClean="0"/>
               <a:pPr/>
-              <a:t>17</a:t>
+              <a:t>16</a:t>
             </a:fld>
             <a:endParaRPr kumimoji="1" lang="ja-JP" altLang="en-US"/>
           </a:p>
@@ -15948,7 +15763,7 @@
 </p:sld>
 </file>
 
-<file path=ppt/slides/slide18.xml><?xml version="1.0" encoding="utf-8"?>
+<file path=ppt/slides/slide17.xml><?xml version="1.0" encoding="utf-8"?>
 <p:sld xmlns:a="http://schemas.openxmlformats.org/drawingml/2006/main" xmlns:r="http://schemas.openxmlformats.org/officeDocument/2006/relationships" xmlns:p="http://schemas.openxmlformats.org/presentationml/2006/main">
   <p:cSld>
     <p:spTree>
@@ -16029,7 +15844,7 @@
             <a:fld id="{D28C7C6D-0F52-4FBA-8358-35C6083C2133}" type="slidenum">
               <a:rPr kumimoji="1" lang="ja-JP" altLang="en-US" smtClean="0"/>
               <a:pPr/>
-              <a:t>18</a:t>
+              <a:t>17</a:t>
             </a:fld>
             <a:endParaRPr kumimoji="1" lang="ja-JP" altLang="en-US"/>
           </a:p>
@@ -16269,6 +16084,231 @@
 </p:sld>
 </file>
 
+<file path=ppt/slides/slide18.xml><?xml version="1.0" encoding="utf-8"?>
+<p:sld xmlns:a="http://schemas.openxmlformats.org/drawingml/2006/main" xmlns:r="http://schemas.openxmlformats.org/officeDocument/2006/relationships" xmlns:p="http://schemas.openxmlformats.org/presentationml/2006/main">
+  <p:cSld>
+    <p:spTree>
+      <p:nvGrpSpPr>
+        <p:cNvPr id="1" name=""/>
+        <p:cNvGrpSpPr/>
+        <p:nvPr/>
+      </p:nvGrpSpPr>
+      <p:grpSpPr>
+        <a:xfrm>
+          <a:off x="0" y="0"/>
+          <a:ext cx="0" cy="0"/>
+          <a:chOff x="0" y="0"/>
+          <a:chExt cx="0" cy="0"/>
+        </a:xfrm>
+      </p:grpSpPr>
+      <p:sp>
+        <p:nvSpPr>
+          <p:cNvPr id="9" name="タイトル 8"/>
+          <p:cNvSpPr>
+            <a:spLocks noGrp="1"/>
+          </p:cNvSpPr>
+          <p:nvPr>
+            <p:ph type="title"/>
+          </p:nvPr>
+        </p:nvSpPr>
+        <p:spPr>
+          <a:xfrm>
+            <a:off x="927100" y="471404"/>
+            <a:ext cx="16687800" cy="1077996"/>
+          </a:xfrm>
+        </p:spPr>
+        <p:txBody>
+          <a:bodyPr/>
+          <a:lstStyle/>
+          <a:p>
+            <a:r>
+              <a:rPr lang="en-US" altLang="ja-JP" dirty="0"/>
+              <a:t>Decision Tree </a:t>
+            </a:r>
+            <a:r>
+              <a:rPr lang="ja-JP" altLang="en-US"/>
+              <a:t>（決定木）</a:t>
+            </a:r>
+            <a:endParaRPr lang="en-US" altLang="ja-JP" dirty="0"/>
+          </a:p>
+        </p:txBody>
+      </p:sp>
+      <p:sp>
+        <p:nvSpPr>
+          <p:cNvPr id="31" name="Slide Number Placeholder 30">
+            <a:extLst>
+              <a:ext uri="{FF2B5EF4-FFF2-40B4-BE49-F238E27FC236}">
+                <a16:creationId xmlns:a16="http://schemas.microsoft.com/office/drawing/2014/main" id="{4B1988FE-E66C-024F-90E3-2BEDDB78EC11}"/>
+              </a:ext>
+            </a:extLst>
+          </p:cNvPr>
+          <p:cNvSpPr>
+            <a:spLocks noGrp="1"/>
+          </p:cNvSpPr>
+          <p:nvPr>
+            <p:ph type="sldNum" sz="quarter" idx="10"/>
+          </p:nvPr>
+        </p:nvSpPr>
+        <p:spPr/>
+        <p:txBody>
+          <a:bodyPr/>
+          <a:lstStyle/>
+          <a:p>
+            <a:fld id="{D28C7C6D-0F52-4FBA-8358-35C6083C2133}" type="slidenum">
+              <a:rPr kumimoji="1" lang="ja-JP" altLang="en-US" smtClean="0"/>
+              <a:pPr/>
+              <a:t>18</a:t>
+            </a:fld>
+            <a:endParaRPr kumimoji="1" lang="ja-JP" altLang="en-US"/>
+          </a:p>
+        </p:txBody>
+      </p:sp>
+      <p:sp>
+        <p:nvSpPr>
+          <p:cNvPr id="32" name="Footer Placeholder 31">
+            <a:extLst>
+              <a:ext uri="{FF2B5EF4-FFF2-40B4-BE49-F238E27FC236}">
+                <a16:creationId xmlns:a16="http://schemas.microsoft.com/office/drawing/2014/main" id="{D89C7E2B-21AF-4F42-AB76-00E7E4D31AC3}"/>
+              </a:ext>
+            </a:extLst>
+          </p:cNvPr>
+          <p:cNvSpPr>
+            <a:spLocks noGrp="1"/>
+          </p:cNvSpPr>
+          <p:nvPr>
+            <p:ph type="ftr" sz="quarter" idx="11"/>
+          </p:nvPr>
+        </p:nvSpPr>
+        <p:spPr>
+          <a:xfrm>
+            <a:off x="10680700" y="9621838"/>
+            <a:ext cx="6172200" cy="547687"/>
+          </a:xfrm>
+        </p:spPr>
+        <p:txBody>
+          <a:bodyPr/>
+          <a:lstStyle/>
+          <a:p>
+            <a:r>
+              <a:rPr kumimoji="1" lang="en-US" altLang="ja-JP"/>
+              <a:t>@Takato Matsumoto, 2020</a:t>
+            </a:r>
+            <a:endParaRPr kumimoji="1" lang="ja-JP" altLang="en-US" dirty="0"/>
+          </a:p>
+        </p:txBody>
+      </p:sp>
+      <p:sp>
+        <p:nvSpPr>
+          <p:cNvPr id="45" name="テキスト プレースホルダー 9">
+            <a:extLst>
+              <a:ext uri="{FF2B5EF4-FFF2-40B4-BE49-F238E27FC236}">
+                <a16:creationId xmlns:a16="http://schemas.microsoft.com/office/drawing/2014/main" id="{99EF46B6-0CC3-8B46-9856-B0F58F006A0B}"/>
+              </a:ext>
+            </a:extLst>
+          </p:cNvPr>
+          <p:cNvSpPr>
+            <a:spLocks noGrp="1"/>
+          </p:cNvSpPr>
+          <p:nvPr>
+            <p:ph type="body" sz="quarter" idx="12"/>
+          </p:nvPr>
+        </p:nvSpPr>
+        <p:spPr>
+          <a:xfrm>
+            <a:off x="2605505" y="1222123"/>
+            <a:ext cx="13773484" cy="7777497"/>
+          </a:xfrm>
+        </p:spPr>
+        <p:txBody>
+          <a:bodyPr>
+            <a:normAutofit/>
+          </a:bodyPr>
+          <a:lstStyle/>
+          <a:p>
+            <a:pPr marL="557146" lvl="1" indent="0">
+              <a:buNone/>
+            </a:pPr>
+            <a:endParaRPr lang="en-US" altLang="ja-JP" sz="3200" dirty="0"/>
+          </a:p>
+          <a:p>
+            <a:r>
+              <a:rPr lang="ja-JP" altLang="en-US" sz="4000"/>
+              <a:t>なぜそうなったかといった説明責任が高いケースでは</a:t>
+            </a:r>
+            <a:br>
+              <a:rPr lang="en-US" altLang="ja-JP" sz="4000" dirty="0"/>
+            </a:br>
+            <a:r>
+              <a:rPr lang="ja-JP" altLang="en-US" sz="4000"/>
+              <a:t>解釈可能性が高いモデルを使用することが推奨される</a:t>
+            </a:r>
+            <a:endParaRPr lang="en-US" altLang="ja-JP" sz="4000" dirty="0"/>
+          </a:p>
+          <a:p>
+            <a:r>
+              <a:rPr lang="ja-JP" altLang="en-US" sz="4000"/>
+              <a:t>解釈可能性が高いモデルを使うことで，どう言った理由で</a:t>
+            </a:r>
+            <a:br>
+              <a:rPr lang="en-US" altLang="ja-JP" sz="4000" dirty="0"/>
+            </a:br>
+            <a:r>
+              <a:rPr lang="ja-JP" altLang="en-US" sz="4000"/>
+              <a:t>顧客にお金を貸すことができないかを説明できる</a:t>
+            </a:r>
+            <a:endParaRPr lang="en-US" altLang="ja-JP" sz="4000" dirty="0"/>
+          </a:p>
+          <a:p>
+            <a:pPr lvl="1"/>
+            <a:r>
+              <a:rPr lang="ja-JP" altLang="en-US" sz="3600"/>
+              <a:t>収入が，希望の貸金に比べ低い</a:t>
+            </a:r>
+            <a:endParaRPr lang="en-US" altLang="ja-JP" sz="3600" dirty="0"/>
+          </a:p>
+          <a:p>
+            <a:pPr lvl="1"/>
+            <a:r>
+              <a:rPr lang="ja-JP" altLang="en-US" sz="3600"/>
+              <a:t>過去に貸し倒れたことがある，など</a:t>
+            </a:r>
+            <a:endParaRPr lang="en-US" altLang="ja-JP" sz="3600" dirty="0"/>
+          </a:p>
+          <a:p>
+            <a:r>
+              <a:rPr lang="ja-JP" altLang="en-US" sz="4000"/>
+              <a:t>目的変数に影響のある説明変数がわかるため</a:t>
+            </a:r>
+            <a:br>
+              <a:rPr lang="en-US" altLang="ja-JP" sz="4000" dirty="0"/>
+            </a:br>
+            <a:r>
+              <a:rPr lang="ja-JP" altLang="en-US" sz="4000"/>
+              <a:t>原因の調査や改善策の立案に役立つ</a:t>
+            </a:r>
+            <a:endParaRPr lang="en-US" altLang="ja-JP" sz="4400" dirty="0"/>
+          </a:p>
+          <a:p>
+            <a:pPr marL="557146" lvl="1" indent="0">
+              <a:buNone/>
+            </a:pPr>
+            <a:endParaRPr lang="en-US" altLang="ja-JP" sz="3800" dirty="0"/>
+          </a:p>
+        </p:txBody>
+      </p:sp>
+    </p:spTree>
+    <p:extLst>
+      <p:ext uri="{BB962C8B-B14F-4D97-AF65-F5344CB8AC3E}">
+        <p14:creationId xmlns:p14="http://schemas.microsoft.com/office/powerpoint/2010/main" val="1016286417"/>
+      </p:ext>
+    </p:extLst>
+  </p:cSld>
+  <p:clrMapOvr>
+    <a:masterClrMapping/>
+  </p:clrMapOvr>
+</p:sld>
+</file>
+
 <file path=ppt/slides/slide19.xml><?xml version="1.0" encoding="utf-8"?>
 <p:sld xmlns:a="http://schemas.openxmlformats.org/drawingml/2006/main" xmlns:r="http://schemas.openxmlformats.org/officeDocument/2006/relationships" xmlns:p="http://schemas.openxmlformats.org/presentationml/2006/main">
   <p:cSld>
@@ -16400,8 +16440,8 @@
         </p:nvSpPr>
         <p:spPr>
           <a:xfrm>
-            <a:off x="2605505" y="1222123"/>
-            <a:ext cx="13773484" cy="7777497"/>
+            <a:off x="1720134" y="748595"/>
+            <a:ext cx="15894766" cy="7777497"/>
           </a:xfrm>
         </p:spPr>
         <p:txBody>
@@ -16417,66 +16457,20 @@
           </a:p>
           <a:p>
             <a:r>
-              <a:rPr lang="ja-JP" altLang="en-US" sz="4000"/>
-              <a:t>なぜそうなったかといった説明責任が高いケースでは</a:t>
+              <a:rPr lang="en-US" altLang="ja-JP" sz="3800" dirty="0" err="1"/>
+              <a:t>data_studies_policy</a:t>
+            </a:r>
+            <a:r>
+              <a:rPr lang="en-US" altLang="ja-JP" sz="3800" dirty="0"/>
+              <a:t>/chapter_2/notebook/modeling_dtr_1.ipynb</a:t>
             </a:r>
             <a:br>
-              <a:rPr lang="en-US" altLang="ja-JP" sz="4000" dirty="0"/>
+              <a:rPr lang="en-US" altLang="ja-JP" sz="3800" dirty="0"/>
             </a:br>
             <a:r>
-              <a:rPr lang="ja-JP" altLang="en-US" sz="4000"/>
-              <a:t>解釈可能性が高いモデルを使用することが推奨される</a:t>
-            </a:r>
-            <a:endParaRPr lang="en-US" altLang="ja-JP" sz="4000" dirty="0"/>
-          </a:p>
-          <a:p>
-            <a:r>
-              <a:rPr lang="ja-JP" altLang="en-US" sz="4000"/>
-              <a:t>解釈可能性が高いモデルを使うことで，どう言った理由で</a:t>
-            </a:r>
-            <a:br>
-              <a:rPr lang="en-US" altLang="ja-JP" sz="4000" dirty="0"/>
-            </a:br>
-            <a:r>
-              <a:rPr lang="ja-JP" altLang="en-US" sz="4000"/>
-              <a:t>顧客にお金を貸すことができないかを説明できる</a:t>
-            </a:r>
-            <a:endParaRPr lang="en-US" altLang="ja-JP" sz="4000" dirty="0"/>
-          </a:p>
-          <a:p>
-            <a:pPr lvl="1"/>
-            <a:r>
-              <a:rPr lang="ja-JP" altLang="en-US" sz="3600"/>
-              <a:t>収入が，希望の貸金に比べ低い</a:t>
-            </a:r>
-            <a:endParaRPr lang="en-US" altLang="ja-JP" sz="3600" dirty="0"/>
-          </a:p>
-          <a:p>
-            <a:pPr lvl="1"/>
-            <a:r>
-              <a:rPr lang="ja-JP" altLang="en-US" sz="3600"/>
-              <a:t>過去に貸し倒れたことがある，など</a:t>
-            </a:r>
-            <a:endParaRPr lang="en-US" altLang="ja-JP" sz="3600" dirty="0"/>
-          </a:p>
-          <a:p>
-            <a:r>
-              <a:rPr lang="ja-JP" altLang="en-US" sz="4000"/>
-              <a:t>目的変数に影響のある説明変数がわかるため</a:t>
-            </a:r>
-            <a:br>
-              <a:rPr lang="en-US" altLang="ja-JP" sz="4000" dirty="0"/>
-            </a:br>
-            <a:r>
-              <a:rPr lang="ja-JP" altLang="en-US" sz="4000"/>
-              <a:t>原因の調査や改善策の立案に役立つ</a:t>
-            </a:r>
-            <a:endParaRPr lang="en-US" altLang="ja-JP" sz="4400" dirty="0"/>
-          </a:p>
-          <a:p>
-            <a:pPr marL="557146" lvl="1" indent="0">
-              <a:buNone/>
-            </a:pPr>
+              <a:rPr lang="ja-JP" altLang="en-US" sz="3800"/>
+              <a:t>を開いてください</a:t>
+            </a:r>
             <a:endParaRPr lang="en-US" altLang="ja-JP" sz="3800" dirty="0"/>
           </a:p>
         </p:txBody>
@@ -16484,7 +16478,7 @@
     </p:spTree>
     <p:extLst>
       <p:ext uri="{BB962C8B-B14F-4D97-AF65-F5344CB8AC3E}">
-        <p14:creationId xmlns:p14="http://schemas.microsoft.com/office/powerpoint/2010/main" val="1016286417"/>
+        <p14:creationId xmlns:p14="http://schemas.microsoft.com/office/powerpoint/2010/main" val="957648106"/>
       </p:ext>
     </p:extLst>
   </p:cSld>
@@ -16771,12 +16765,12 @@
           <a:lstStyle/>
           <a:p>
             <a:r>
-              <a:rPr lang="en-US" altLang="ja-JP" dirty="0"/>
-              <a:t>Decision Tree </a:t>
+              <a:rPr lang="en-US" altLang="ja-JP" dirty="0" err="1"/>
+              <a:t>Signate</a:t>
             </a:r>
             <a:r>
               <a:rPr lang="ja-JP" altLang="en-US"/>
-              <a:t>（決定木）</a:t>
+              <a:t>へ予測結果の提出</a:t>
             </a:r>
             <a:endParaRPr lang="en-US" altLang="ja-JP" dirty="0"/>
           </a:p>
@@ -16864,8 +16858,8 @@
         </p:nvSpPr>
         <p:spPr>
           <a:xfrm>
-            <a:off x="1720134" y="748595"/>
-            <a:ext cx="15894766" cy="7777497"/>
+            <a:off x="1459080" y="115855"/>
+            <a:ext cx="17136528" cy="5052214"/>
           </a:xfrm>
         </p:spPr>
         <p:txBody>
@@ -16881,28 +16875,156 @@
           </a:p>
           <a:p>
             <a:r>
+              <a:rPr lang="ja-JP" altLang="en-US" sz="3800"/>
+              <a:t>実際に</a:t>
+            </a:r>
+            <a:r>
               <a:rPr lang="en-US" altLang="ja-JP" sz="3800" dirty="0" err="1"/>
+              <a:t>Signate</a:t>
+            </a:r>
+            <a:r>
+              <a:rPr lang="ja-JP" altLang="en-US" sz="3800"/>
+              <a:t>に予測結果を投稿してみましょう</a:t>
+            </a:r>
+            <a:endParaRPr lang="en-US" altLang="ja-JP" sz="3800" dirty="0"/>
+          </a:p>
+          <a:p>
+            <a:pPr lvl="1"/>
+            <a:r>
+              <a:rPr lang="en-US" altLang="ja-JP" sz="3200" dirty="0" err="1"/>
               <a:t>data_studies_policy</a:t>
             </a:r>
             <a:r>
-              <a:rPr lang="en-US" altLang="ja-JP" sz="3800" dirty="0"/>
-              <a:t>/chapter_2/notebook/modeling_dtr_1.ipynb</a:t>
-            </a:r>
-            <a:br>
-              <a:rPr lang="en-US" altLang="ja-JP" sz="3800" dirty="0"/>
-            </a:br>
-            <a:r>
-              <a:rPr lang="ja-JP" altLang="en-US" sz="3800"/>
-              <a:t>を開いてください</a:t>
-            </a:r>
-            <a:endParaRPr lang="en-US" altLang="ja-JP" sz="3800" dirty="0"/>
+              <a:rPr lang="en-US" altLang="ja-JP" sz="3200" dirty="0"/>
+              <a:t>/chapter_2/notebook/modeling_dtr_2.ipynb</a:t>
+            </a:r>
+            <a:r>
+              <a:rPr lang="ja-JP" altLang="en-US" sz="3200"/>
+              <a:t>を実行します</a:t>
+            </a:r>
+            <a:endParaRPr lang="en-US" altLang="ja-JP" sz="3200" dirty="0"/>
+          </a:p>
+          <a:p>
+            <a:pPr lvl="1"/>
+            <a:r>
+              <a:rPr lang="ja-JP" altLang="en-US" sz="3200"/>
+              <a:t>フォルダマークをクリックして</a:t>
+            </a:r>
+            <a:r>
+              <a:rPr lang="en-US" altLang="ja-JP" sz="3200" dirty="0" err="1"/>
+              <a:t>submission.csv</a:t>
+            </a:r>
+            <a:r>
+              <a:rPr lang="ja-JP" altLang="en-JP" sz="3200"/>
+              <a:t>を</a:t>
+            </a:r>
+            <a:r>
+              <a:rPr lang="ja-JP" altLang="en-US" sz="3200"/>
+              <a:t>ダウンロードしてください</a:t>
+            </a:r>
+            <a:endParaRPr lang="en-US" altLang="ja-JP" sz="3200" dirty="0"/>
+          </a:p>
+          <a:p>
+            <a:pPr marL="557146" lvl="1" indent="0">
+              <a:buNone/>
+            </a:pPr>
+            <a:endParaRPr lang="en-US" altLang="ja-JP" sz="3000" dirty="0"/>
+          </a:p>
+        </p:txBody>
+      </p:sp>
+      <p:pic>
+        <p:nvPicPr>
+          <p:cNvPr id="12" name="Picture 11" descr="A screenshot of a cell phone&#10;&#10;Description automatically generated">
+            <a:extLst>
+              <a:ext uri="{FF2B5EF4-FFF2-40B4-BE49-F238E27FC236}">
+                <a16:creationId xmlns:a16="http://schemas.microsoft.com/office/drawing/2014/main" id="{DD0DA4B4-6D37-C04B-AEF0-59D2E18D0FC1}"/>
+              </a:ext>
+            </a:extLst>
+          </p:cNvPr>
+          <p:cNvPicPr>
+            <a:picLocks noChangeAspect="1"/>
+          </p:cNvPicPr>
+          <p:nvPr/>
+        </p:nvPicPr>
+        <p:blipFill rotWithShape="1">
+          <a:blip r:embed="rId2">
+            <a:extLst>
+              <a:ext uri="{28A0092B-C50C-407E-A947-70E740481C1C}">
+                <a14:useLocalDpi xmlns:a14="http://schemas.microsoft.com/office/drawing/2010/main" val="0"/>
+              </a:ext>
+            </a:extLst>
+          </a:blip>
+          <a:srcRect t="3620"/>
+          <a:stretch/>
+        </p:blipFill>
+        <p:spPr>
+          <a:xfrm>
+            <a:off x="3846083" y="4523014"/>
+            <a:ext cx="9896517" cy="5290995"/>
+          </a:xfrm>
+          <a:prstGeom prst="rect">
+            <a:avLst/>
+          </a:prstGeom>
+        </p:spPr>
+      </p:pic>
+      <p:sp>
+        <p:nvSpPr>
+          <p:cNvPr id="6" name="Oval 5">
+            <a:extLst>
+              <a:ext uri="{FF2B5EF4-FFF2-40B4-BE49-F238E27FC236}">
+                <a16:creationId xmlns:a16="http://schemas.microsoft.com/office/drawing/2014/main" id="{5BCD420A-E399-A748-9FED-A4221C748CC5}"/>
+              </a:ext>
+            </a:extLst>
+          </p:cNvPr>
+          <p:cNvSpPr/>
+          <p:nvPr/>
+        </p:nvSpPr>
+        <p:spPr>
+          <a:xfrm>
+            <a:off x="3715454" y="6163998"/>
+            <a:ext cx="981756" cy="981756"/>
+          </a:xfrm>
+          <a:prstGeom prst="ellipse">
+            <a:avLst/>
+          </a:prstGeom>
+          <a:solidFill>
+            <a:schemeClr val="accent2">
+              <a:alpha val="34000"/>
+            </a:schemeClr>
+          </a:solidFill>
+          <a:ln>
+            <a:noFill/>
+          </a:ln>
+        </p:spPr>
+        <p:style>
+          <a:lnRef idx="2">
+            <a:schemeClr val="accent1">
+              <a:shade val="50000"/>
+            </a:schemeClr>
+          </a:lnRef>
+          <a:fillRef idx="1">
+            <a:schemeClr val="accent1"/>
+          </a:fillRef>
+          <a:effectRef idx="0">
+            <a:schemeClr val="accent1"/>
+          </a:effectRef>
+          <a:fontRef idx="minor">
+            <a:schemeClr val="lt1"/>
+          </a:fontRef>
+        </p:style>
+        <p:txBody>
+          <a:bodyPr rtlCol="0" anchor="ctr"/>
+          <a:lstStyle/>
+          <a:p>
+            <a:pPr algn="ctr"/>
+            <a:endParaRPr kumimoji="1" lang="en-JP"/>
           </a:p>
         </p:txBody>
       </p:sp>
     </p:spTree>
     <p:extLst>
       <p:ext uri="{BB962C8B-B14F-4D97-AF65-F5344CB8AC3E}">
-        <p14:creationId xmlns:p14="http://schemas.microsoft.com/office/powerpoint/2010/main" val="957648106"/>
+        <p14:creationId xmlns:p14="http://schemas.microsoft.com/office/powerpoint/2010/main" val="1153340981"/>
       </p:ext>
     </p:extLst>
   </p:cSld>
@@ -16950,12 +17072,12 @@
           <a:lstStyle/>
           <a:p>
             <a:r>
-              <a:rPr lang="en-US" altLang="ja-JP" dirty="0"/>
-              <a:t>Decision Tree </a:t>
+              <a:rPr lang="en-US" altLang="ja-JP" dirty="0" err="1"/>
+              <a:t>Signate</a:t>
             </a:r>
             <a:r>
               <a:rPr lang="ja-JP" altLang="en-US"/>
-              <a:t>（決定木）</a:t>
+              <a:t>へ予測結果の提出</a:t>
             </a:r>
             <a:endParaRPr lang="en-US" altLang="ja-JP" dirty="0"/>
           </a:p>
@@ -17060,58 +17182,22 @@
           </a:p>
           <a:p>
             <a:r>
-              <a:rPr lang="ja-JP" altLang="en-US" sz="3800"/>
-              <a:t>実際に</a:t>
-            </a:r>
-            <a:r>
-              <a:rPr lang="en-US" altLang="ja-JP" sz="3800" dirty="0" err="1"/>
-              <a:t>Signate</a:t>
-            </a:r>
-            <a:r>
-              <a:rPr lang="ja-JP" altLang="en-US" sz="3800"/>
-              <a:t>に予測結果を投稿してみましょう</a:t>
-            </a:r>
-            <a:endParaRPr lang="en-US" altLang="ja-JP" sz="3800" dirty="0"/>
+              <a:rPr lang="ja-JP" altLang="en-US" sz="4000"/>
+              <a:t>以下のページにアクセスして、投稿ボタンをクリック</a:t>
+            </a:r>
+            <a:endParaRPr lang="en-US" altLang="ja-JP" sz="4000" dirty="0"/>
           </a:p>
           <a:p>
             <a:pPr lvl="1"/>
             <a:r>
-              <a:rPr lang="en-US" altLang="ja-JP" sz="3200" dirty="0" err="1"/>
-              <a:t>data_studies_policy</a:t>
-            </a:r>
-            <a:r>
-              <a:rPr lang="en-US" altLang="ja-JP" sz="3200" dirty="0"/>
-              <a:t>/chapter_2/notebook/modeling_dtr_2.ipynb</a:t>
+              <a:rPr lang="en-US" sz="3200" dirty="0">
+                <a:hlinkClick r:id="rId2"/>
+              </a:rPr>
+              <a:t>https://signate.jp/competitions/107/data</a:t>
             </a:r>
             <a:br>
               <a:rPr lang="en-US" altLang="ja-JP" sz="3200" dirty="0"/>
             </a:br>
-            <a:r>
-              <a:rPr lang="ja-JP" altLang="en-US" sz="3200"/>
-              <a:t>を実行し</a:t>
-            </a:r>
-            <a:r>
-              <a:rPr lang="en-US" altLang="ja-JP" sz="3200" dirty="0"/>
-              <a:t>output</a:t>
-            </a:r>
-            <a:r>
-              <a:rPr lang="ja-JP" altLang="en-US" sz="3200"/>
-              <a:t>フォルダにある</a:t>
-            </a:r>
-            <a:r>
-              <a:rPr lang="en-US" altLang="ja-JP" sz="3200" dirty="0" err="1"/>
-              <a:t>submission.csv</a:t>
-            </a:r>
-            <a:r>
-              <a:rPr lang="ja-JP" altLang="en-US" sz="3200"/>
-              <a:t>を投稿します</a:t>
-            </a:r>
-            <a:endParaRPr lang="en-US" altLang="ja-JP" sz="3200" dirty="0"/>
-          </a:p>
-          <a:p>
-            <a:pPr marL="557146" lvl="1" indent="0">
-              <a:buNone/>
-            </a:pPr>
             <a:endParaRPr lang="en-US" altLang="ja-JP" sz="3000" dirty="0"/>
           </a:p>
         </p:txBody>
@@ -17131,7 +17217,7 @@
           <p:nvPr/>
         </p:nvPicPr>
         <p:blipFill>
-          <a:blip r:embed="rId2">
+          <a:blip r:embed="rId3">
             <a:extLst>
               <a:ext uri="{28A0092B-C50C-407E-A947-70E740481C1C}">
                 <a14:useLocalDpi xmlns:a14="http://schemas.microsoft.com/office/drawing/2010/main" val="0"/>
@@ -17209,7 +17295,7 @@
     </p:spTree>
     <p:extLst>
       <p:ext uri="{BB962C8B-B14F-4D97-AF65-F5344CB8AC3E}">
-        <p14:creationId xmlns:p14="http://schemas.microsoft.com/office/powerpoint/2010/main" val="1153340981"/>
+        <p14:creationId xmlns:p14="http://schemas.microsoft.com/office/powerpoint/2010/main" val="4234355457"/>
       </p:ext>
     </p:extLst>
   </p:cSld>
@@ -17257,12 +17343,12 @@
           <a:lstStyle/>
           <a:p>
             <a:r>
-              <a:rPr lang="en-US" altLang="ja-JP" dirty="0"/>
-              <a:t>Decision Tree </a:t>
+              <a:rPr lang="en-US" altLang="ja-JP" dirty="0" err="1"/>
+              <a:t>Signate</a:t>
             </a:r>
             <a:r>
               <a:rPr lang="ja-JP" altLang="en-US"/>
-              <a:t>（決定木）</a:t>
+              <a:t>へ予測結果の提出</a:t>
             </a:r>
             <a:endParaRPr lang="en-US" altLang="ja-JP" dirty="0"/>
           </a:p>
@@ -17350,8 +17436,8 @@
         </p:nvSpPr>
         <p:spPr>
           <a:xfrm>
-            <a:off x="2257258" y="115888"/>
-            <a:ext cx="13773484" cy="5052214"/>
+            <a:off x="1749258" y="-227012"/>
+            <a:ext cx="15103642" cy="5052214"/>
           </a:xfrm>
         </p:spPr>
         <p:txBody>
@@ -17367,59 +17453,18 @@
           </a:p>
           <a:p>
             <a:r>
-              <a:rPr lang="ja-JP" altLang="en-US" sz="3800"/>
-              <a:t>実際に</a:t>
-            </a:r>
-            <a:r>
-              <a:rPr lang="en-US" altLang="ja-JP" sz="3800" dirty="0" err="1"/>
-              <a:t>Signate</a:t>
-            </a:r>
-            <a:r>
-              <a:rPr lang="ja-JP" altLang="en-US" sz="3800"/>
-              <a:t>に予測結果を投稿してみましょう</a:t>
+              <a:rPr lang="ja-JP" altLang="en-US" sz="4000"/>
+              <a:t>ファイルを選択で先ほどの</a:t>
+            </a:r>
+            <a:r>
+              <a:rPr lang="en-US" altLang="ja-JP" sz="4000" dirty="0" err="1"/>
+              <a:t>submission.csv</a:t>
+            </a:r>
+            <a:r>
+              <a:rPr lang="ja-JP" altLang="en-US" sz="4000"/>
+              <a:t>を選択し投稿できます</a:t>
             </a:r>
             <a:endParaRPr lang="en-US" altLang="ja-JP" sz="3800" dirty="0"/>
-          </a:p>
-          <a:p>
-            <a:pPr lvl="1"/>
-            <a:r>
-              <a:rPr lang="en-US" altLang="ja-JP" sz="3200" dirty="0" err="1"/>
-              <a:t>data_studies_policy</a:t>
-            </a:r>
-            <a:r>
-              <a:rPr lang="en-US" altLang="ja-JP" sz="3200" dirty="0"/>
-              <a:t>/chapter_2/notebook/modeling_dtr_2.ipynb</a:t>
-            </a:r>
-            <a:br>
-              <a:rPr lang="en-US" altLang="ja-JP" sz="3200" dirty="0"/>
-            </a:br>
-            <a:r>
-              <a:rPr lang="ja-JP" altLang="en-US" sz="3200"/>
-              <a:t>を実行し</a:t>
-            </a:r>
-            <a:r>
-              <a:rPr lang="en-US" altLang="ja-JP" sz="3200" dirty="0"/>
-              <a:t>output</a:t>
-            </a:r>
-            <a:r>
-              <a:rPr lang="ja-JP" altLang="en-US" sz="3200"/>
-              <a:t>フォルダにある</a:t>
-            </a:r>
-            <a:r>
-              <a:rPr lang="en-US" altLang="ja-JP" sz="3200" dirty="0" err="1"/>
-              <a:t>submission.csv</a:t>
-            </a:r>
-            <a:r>
-              <a:rPr lang="ja-JP" altLang="en-US" sz="3200"/>
-              <a:t>を投稿します</a:t>
-            </a:r>
-            <a:endParaRPr lang="en-US" altLang="ja-JP" sz="3200" dirty="0"/>
-          </a:p>
-          <a:p>
-            <a:pPr marL="557146" lvl="1" indent="0">
-              <a:buNone/>
-            </a:pPr>
-            <a:endParaRPr lang="en-US" altLang="ja-JP" sz="3000" dirty="0"/>
           </a:p>
         </p:txBody>
       </p:sp>
@@ -17510,12 +17555,12 @@
           <a:lstStyle/>
           <a:p>
             <a:r>
-              <a:rPr lang="en-US" altLang="ja-JP" dirty="0"/>
-              <a:t>Decision Tree </a:t>
+              <a:rPr lang="en-US" altLang="ja-JP" dirty="0" err="1"/>
+              <a:t>Signate</a:t>
             </a:r>
             <a:r>
               <a:rPr lang="ja-JP" altLang="en-US"/>
-              <a:t>（決定木）</a:t>
+              <a:t>へ予測結果の提出</a:t>
             </a:r>
             <a:endParaRPr lang="en-US" altLang="ja-JP" dirty="0"/>
           </a:p>
@@ -17929,13 +17974,6 @@
           <a:lstStyle/>
           <a:p>
             <a:r>
-              <a:rPr lang="ja-JP" altLang="en-US" sz="4800"/>
-              <a:t>講義概要</a:t>
-            </a:r>
-            <a:endParaRPr lang="en-US" altLang="ja-JP" sz="4800" dirty="0"/>
-          </a:p>
-          <a:p>
-            <a:r>
               <a:rPr lang="en-US" altLang="ja-JP" sz="4800" dirty="0"/>
               <a:t>Kaggle (</a:t>
             </a:r>
@@ -18102,13 +18140,6 @@
           <a:lstStyle/>
           <a:p>
             <a:r>
-              <a:rPr lang="ja-JP" altLang="en-US" sz="4800"/>
-              <a:t>講義概要</a:t>
-            </a:r>
-            <a:endParaRPr lang="en-US" altLang="ja-JP" sz="4800" dirty="0"/>
-          </a:p>
-          <a:p>
-            <a:r>
               <a:rPr lang="en-US" altLang="ja-JP" sz="4800" dirty="0">
                 <a:solidFill>
                   <a:schemeClr val="accent1"/>
@@ -18269,8 +18300,20 @@
           <a:lstStyle/>
           <a:p>
             <a:r>
+              <a:rPr lang="en-US" altLang="ja-JP" dirty="0"/>
+              <a:t>Kaggle (</a:t>
+            </a:r>
+            <a:r>
+              <a:rPr lang="en-US" altLang="ja-JP" dirty="0" err="1"/>
+              <a:t>Signate</a:t>
+            </a:r>
+            <a:r>
+              <a:rPr lang="en-US" altLang="ja-JP" dirty="0"/>
+              <a:t>)</a:t>
+            </a:r>
+            <a:r>
               <a:rPr lang="ja-JP" altLang="en-US"/>
-              <a:t>講義概要</a:t>
+              <a:t>について</a:t>
             </a:r>
             <a:endParaRPr lang="en-US" altLang="ja-JP" dirty="0"/>
           </a:p>
@@ -18374,7 +18417,7 @@
             </a:r>
             <a:r>
               <a:rPr lang="ja-JP" altLang="en-US" sz="4400"/>
-              <a:t> データサイエンティストになるにはどうしたらいい？</a:t>
+              <a:t> データ分析をどうやって学んだら良いかわからない</a:t>
             </a:r>
             <a:endParaRPr lang="en-US" altLang="ja-JP" sz="4400" dirty="0"/>
           </a:p>
@@ -18382,14 +18425,6 @@
             <a:endParaRPr lang="en-US" altLang="ja-JP" sz="4400" dirty="0"/>
           </a:p>
           <a:p>
-            <a:r>
-              <a:rPr lang="en-US" altLang="ja-JP" sz="4400" dirty="0"/>
-              <a:t>A.</a:t>
-            </a:r>
-            <a:r>
-              <a:rPr lang="ja-JP" altLang="en-US" sz="4400"/>
-              <a:t> </a:t>
-            </a:r>
             <a:r>
               <a:rPr lang="en-US" altLang="ja-JP" sz="4400" dirty="0">
                 <a:solidFill>
@@ -18495,12 +18530,8 @@
           <a:lstStyle/>
           <a:p>
             <a:r>
-              <a:rPr lang="ja-JP" altLang="en-US"/>
-              <a:t>講義概要</a:t>
-            </a:r>
-            <a:r>
               <a:rPr lang="en-US" altLang="ja-JP" dirty="0"/>
-              <a:t> | Kaggle (</a:t>
+              <a:t>Kaggle (</a:t>
             </a:r>
             <a:r>
               <a:rPr lang="en-US" altLang="ja-JP" dirty="0" err="1"/>
@@ -18508,11 +18539,11 @@
             </a:r>
             <a:r>
               <a:rPr lang="en-US" altLang="ja-JP" dirty="0"/>
-              <a:t>) </a:t>
+              <a:t>)</a:t>
             </a:r>
             <a:r>
               <a:rPr lang="ja-JP" altLang="en-US"/>
-              <a:t>の概要</a:t>
+              <a:t>について</a:t>
             </a:r>
             <a:endParaRPr lang="en-US" altLang="ja-JP" dirty="0"/>
           </a:p>
@@ -19328,12 +19359,8 @@
           <a:lstStyle/>
           <a:p>
             <a:r>
-              <a:rPr lang="ja-JP" altLang="en-US"/>
-              <a:t>講義概要</a:t>
-            </a:r>
-            <a:r>
               <a:rPr lang="en-US" altLang="ja-JP" dirty="0"/>
-              <a:t> | Kaggle (</a:t>
+              <a:t>Kaggle (</a:t>
             </a:r>
             <a:r>
               <a:rPr lang="en-US" altLang="ja-JP" dirty="0" err="1"/>
@@ -19341,11 +19368,11 @@
             </a:r>
             <a:r>
               <a:rPr lang="en-US" altLang="ja-JP" dirty="0"/>
-              <a:t>) </a:t>
+              <a:t>)</a:t>
             </a:r>
             <a:r>
               <a:rPr lang="ja-JP" altLang="en-US"/>
-              <a:t>の概要</a:t>
+              <a:t>について</a:t>
             </a:r>
             <a:endParaRPr lang="en-US" altLang="ja-JP" dirty="0"/>
           </a:p>
@@ -19656,7 +19683,7 @@
             <a:pPr lvl="1"/>
             <a:r>
               <a:rPr lang="ja-JP" altLang="en-US" sz="3600"/>
-              <a:t>データサイエンスなど</a:t>
+              <a:t>データの取り扱いなど</a:t>
             </a:r>
             <a:endParaRPr lang="en-US" altLang="ja-JP" sz="3600" dirty="0"/>
           </a:p>
@@ -19744,8 +19771,20 @@
           <a:lstStyle/>
           <a:p>
             <a:r>
+              <a:rPr lang="en-US" altLang="ja-JP" dirty="0"/>
+              <a:t>Kaggle (</a:t>
+            </a:r>
+            <a:r>
+              <a:rPr lang="en-US" altLang="ja-JP" dirty="0" err="1"/>
+              <a:t>Signate</a:t>
+            </a:r>
+            <a:r>
+              <a:rPr lang="en-US" altLang="ja-JP" dirty="0"/>
+              <a:t>)</a:t>
+            </a:r>
+            <a:r>
               <a:rPr lang="ja-JP" altLang="en-US"/>
-              <a:t>講義概要</a:t>
+              <a:t>について</a:t>
             </a:r>
             <a:endParaRPr lang="en-US" altLang="ja-JP" dirty="0"/>
           </a:p>
@@ -19925,12 +19964,26 @@
           </a:xfrm>
         </p:spPr>
         <p:txBody>
-          <a:bodyPr/>
+          <a:bodyPr>
+            <a:normAutofit/>
+          </a:bodyPr>
           <a:lstStyle/>
           <a:p>
             <a:r>
+              <a:rPr lang="en-US" altLang="ja-JP" dirty="0"/>
+              <a:t>Kaggle (</a:t>
+            </a:r>
+            <a:r>
+              <a:rPr lang="en-US" altLang="ja-JP" dirty="0" err="1"/>
+              <a:t>Signate</a:t>
+            </a:r>
+            <a:r>
+              <a:rPr lang="en-US" altLang="ja-JP" dirty="0"/>
+              <a:t>)</a:t>
+            </a:r>
+            <a:r>
               <a:rPr lang="ja-JP" altLang="en-US"/>
-              <a:t>講義概要</a:t>
+              <a:t>について</a:t>
             </a:r>
             <a:r>
               <a:rPr lang="en-US" altLang="ja-JP" dirty="0"/>
@@ -20026,8 +20079,8 @@
         </p:nvSpPr>
         <p:spPr>
           <a:xfrm>
-            <a:off x="2628900" y="663575"/>
-            <a:ext cx="13030200" cy="8072438"/>
+            <a:off x="1763485" y="1106487"/>
+            <a:ext cx="16998043" cy="8072438"/>
           </a:xfrm>
         </p:spPr>
         <p:txBody>
@@ -20040,6 +20093,10 @@
               <a:rPr lang="ja-JP" altLang="en-US" sz="4400"/>
               <a:t>国勢調査からの収入予測 </a:t>
             </a:r>
+            <a:endParaRPr lang="en-US" altLang="ja-JP" sz="4400" dirty="0"/>
+          </a:p>
+          <a:p>
+            <a:pPr lvl="1"/>
             <a:r>
               <a:rPr lang="en-US" sz="3600" dirty="0">
                 <a:hlinkClick r:id="rId2"/>
@@ -20049,31 +20106,48 @@
             <a:endParaRPr lang="en-US" sz="3600" dirty="0"/>
           </a:p>
           <a:p>
-            <a:r>
-              <a:rPr lang="ja-JP" altLang="en-US" sz="4400"/>
-              <a:t>アメリカの国勢調査から</a:t>
+            <a:pPr lvl="1"/>
+            <a:r>
+              <a:rPr lang="ja-JP" altLang="en-US" sz="3600"/>
+              <a:t>アメリカの国勢調査から収入が</a:t>
+            </a:r>
+            <a:r>
+              <a:rPr lang="en-US" altLang="ja-JP" sz="3600" dirty="0"/>
+              <a:t>$50K</a:t>
+            </a:r>
+            <a:r>
+              <a:rPr lang="ja-JP" altLang="en-US" sz="3600"/>
+              <a:t>を超えるかどうかを予測するタスク</a:t>
+            </a:r>
+            <a:endParaRPr lang="en-US" altLang="ja-JP" sz="3600" dirty="0"/>
+          </a:p>
+          <a:p>
+            <a:pPr lvl="1"/>
+            <a:r>
+              <a:rPr lang="ja-JP" altLang="en-US" sz="3600"/>
+              <a:t>２分類のクラス分類</a:t>
+            </a:r>
+            <a:endParaRPr lang="en-US" altLang="ja-JP" sz="3600" dirty="0"/>
+          </a:p>
+          <a:p>
+            <a:r>
+              <a:rPr lang="en-US" altLang="ja-JP" sz="4400" dirty="0" err="1"/>
+              <a:t>data_studies_policy</a:t>
+            </a:r>
+            <a:r>
+              <a:rPr lang="en-US" altLang="ja-JP" sz="4400" dirty="0"/>
+              <a:t>/chapter_2/notebook/</a:t>
+            </a:r>
+            <a:r>
+              <a:rPr lang="en-US" altLang="ja-JP" sz="4400" dirty="0" err="1"/>
+              <a:t>eda.ipynb</a:t>
             </a:r>
             <a:br>
               <a:rPr lang="en-US" altLang="ja-JP" sz="4400" dirty="0"/>
             </a:br>
             <a:r>
               <a:rPr lang="ja-JP" altLang="en-US" sz="4400"/>
-              <a:t>収入が</a:t>
-            </a:r>
-            <a:r>
-              <a:rPr lang="en-US" altLang="ja-JP" sz="4400" dirty="0"/>
-              <a:t>$50K</a:t>
-            </a:r>
-            <a:r>
-              <a:rPr lang="ja-JP" altLang="en-US" sz="4400"/>
-              <a:t>を超えるかどうかを予測するタスク</a:t>
-            </a:r>
-            <a:endParaRPr lang="en-US" altLang="ja-JP" sz="3600" dirty="0"/>
-          </a:p>
-          <a:p>
-            <a:r>
-              <a:rPr lang="ja-JP" altLang="en-US" sz="4400"/>
-              <a:t>２分類のクラス分類</a:t>
+              <a:t>を開いてください</a:t>
             </a:r>
             <a:endParaRPr lang="en-US" altLang="ja-JP" sz="5400" dirty="0"/>
           </a:p>
